--- a/syllabus/week-07-Star-Schema/concepts/How_To_Design_a_Star_Schema_LINKEDIN.pptx
+++ b/syllabus/week-07-Star-Schema/concepts/How_To_Design_a_Star_Schema_LINKEDIN.pptx
@@ -11,18 +11,20 @@
     <p:sldId id="299" r:id="rId5"/>
     <p:sldId id="298" r:id="rId6"/>
     <p:sldId id="291" r:id="rId7"/>
-    <p:sldId id="293" r:id="rId8"/>
-    <p:sldId id="266" r:id="rId9"/>
-    <p:sldId id="294" r:id="rId10"/>
-    <p:sldId id="295" r:id="rId11"/>
-    <p:sldId id="296" r:id="rId12"/>
-    <p:sldId id="276" r:id="rId13"/>
-    <p:sldId id="292" r:id="rId14"/>
-    <p:sldId id="263" r:id="rId15"/>
-    <p:sldId id="297" r:id="rId16"/>
-    <p:sldId id="268" r:id="rId17"/>
-    <p:sldId id="269" r:id="rId18"/>
-    <p:sldId id="270" r:id="rId19"/>
+    <p:sldId id="300" r:id="rId8"/>
+    <p:sldId id="301" r:id="rId9"/>
+    <p:sldId id="293" r:id="rId10"/>
+    <p:sldId id="266" r:id="rId11"/>
+    <p:sldId id="294" r:id="rId12"/>
+    <p:sldId id="295" r:id="rId13"/>
+    <p:sldId id="296" r:id="rId14"/>
+    <p:sldId id="276" r:id="rId15"/>
+    <p:sldId id="292" r:id="rId16"/>
+    <p:sldId id="263" r:id="rId17"/>
+    <p:sldId id="297" r:id="rId18"/>
+    <p:sldId id="268" r:id="rId19"/>
+    <p:sldId id="269" r:id="rId20"/>
+    <p:sldId id="270" r:id="rId21"/>
   </p:sldIdLst>
   <p:sldSz cx="9144000" cy="5143500" type="screen16x9"/>
   <p:notesSz cx="6858000" cy="9144000"/>
@@ -6592,13 +6594,7 @@
   <p:cSld>
     <p:spTree>
       <p:nvGrpSpPr>
-        <p:cNvPr id="1" name="">
-          <a:extLst>
-            <a:ext uri="{FF2B5EF4-FFF2-40B4-BE49-F238E27FC236}">
-              <a16:creationId xmlns:a16="http://schemas.microsoft.com/office/drawing/2014/main" id="{ACDD18F9-594C-09DE-C878-164986D73AAE}"/>
-            </a:ext>
-          </a:extLst>
-        </p:cNvPr>
+        <p:cNvPr id="1" name=""/>
         <p:cNvGrpSpPr/>
         <p:nvPr/>
       </p:nvGrpSpPr>
@@ -6615,7 +6611,7 @@
           <p:cNvPr id="4" name="Title 3">
             <a:extLst>
               <a:ext uri="{FF2B5EF4-FFF2-40B4-BE49-F238E27FC236}">
-                <a16:creationId xmlns:a16="http://schemas.microsoft.com/office/drawing/2014/main" id="{902F9CE9-DCDE-95C8-855D-52E006707676}"/>
+                <a16:creationId xmlns:a16="http://schemas.microsoft.com/office/drawing/2014/main" id="{DCCC8AEE-1310-634E-9023-7929C03FECFD}"/>
               </a:ext>
             </a:extLst>
           </p:cNvPr>
@@ -6626,66 +6622,17 @@
             <p:ph type="title"/>
           </p:nvPr>
         </p:nvSpPr>
-        <p:spPr>
-          <a:xfrm>
-            <a:off x="628650" y="191590"/>
-            <a:ext cx="7886700" cy="835105"/>
-          </a:xfrm>
-        </p:spPr>
+        <p:spPr/>
         <p:txBody>
           <a:bodyPr>
-            <a:normAutofit fontScale="90000"/>
+            <a:normAutofit/>
           </a:bodyPr>
           <a:lstStyle/>
           <a:p>
-            <a:br>
-              <a:rPr lang="en-US" b="1" i="0" dirty="0">
-                <a:effectLst/>
-                <a:latin typeface="-apple-system"/>
-              </a:rPr>
-            </a:br>
-            <a:br>
-              <a:rPr lang="en-US" b="1" i="0" dirty="0">
-                <a:effectLst/>
-                <a:latin typeface="-apple-system"/>
-              </a:rPr>
-            </a:br>
-            <a:br>
-              <a:rPr lang="en-US" b="1" i="0" dirty="0">
-                <a:effectLst/>
-                <a:latin typeface="-apple-system"/>
-              </a:rPr>
-            </a:br>
-            <a:br>
-              <a:rPr lang="en-US" b="1" dirty="0">
-                <a:latin typeface="-apple-system"/>
-              </a:rPr>
-            </a:br>
-            <a:br>
-              <a:rPr lang="en-US" b="1" dirty="0">
-                <a:latin typeface="-apple-system"/>
-              </a:rPr>
-            </a:br>
-            <a:r>
-              <a:rPr lang="en-US" b="1" dirty="0">
-                <a:latin typeface="-apple-system"/>
-              </a:rPr>
-              <a:t>3. </a:t>
-            </a:r>
-            <a:r>
-              <a:rPr lang="en-US" b="1" i="0" dirty="0">
-                <a:effectLst/>
-                <a:latin typeface="-apple-system"/>
-              </a:rPr>
-              <a:t>Define the Dimension tables</a:t>
-            </a:r>
-            <a:br>
-              <a:rPr lang="en-US" b="1" i="0" dirty="0">
-                <a:effectLst/>
-                <a:latin typeface="-apple-system"/>
-              </a:rPr>
-            </a:br>
-            <a:endParaRPr lang="en-US" dirty="0"/>
+            <a:r>
+              <a:rPr lang="en-US" dirty="0"/>
+              <a:t>2. Define the FACT Table</a:t>
+            </a:r>
           </a:p>
         </p:txBody>
       </p:sp>
@@ -6694,7 +6641,7 @@
           <p:cNvPr id="5" name="Content Placeholder 4">
             <a:extLst>
               <a:ext uri="{FF2B5EF4-FFF2-40B4-BE49-F238E27FC236}">
-                <a16:creationId xmlns:a16="http://schemas.microsoft.com/office/drawing/2014/main" id="{4E7E6A9A-B53D-AC62-3AF9-8C4D1645B596}"/>
+                <a16:creationId xmlns:a16="http://schemas.microsoft.com/office/drawing/2014/main" id="{C4FE1F5A-47C9-D047-9202-796ADD8B3DB3}"/>
               </a:ext>
             </a:extLst>
           </p:cNvPr>
@@ -6717,89 +6664,91 @@
           </a:bodyPr>
           <a:lstStyle/>
           <a:p>
-            <a:pPr marL="0" indent="0">
-              <a:buNone/>
-            </a:pPr>
-            <a:r>
-              <a:rPr lang="en-US" sz="2400" dirty="0"/>
-              <a:t>1. The third step is to define the dimension tables, which are the </a:t>
-            </a:r>
-            <a:r>
-              <a:rPr lang="en-US" sz="2400" b="1" dirty="0">
+            <a:r>
+              <a:rPr lang="en-US" sz="2200" dirty="0"/>
+              <a:t>The next step is to define the </a:t>
+            </a:r>
+            <a:r>
+              <a:rPr lang="en-US" sz="2200" dirty="0">
+                <a:highlight>
+                  <a:srgbClr val="00FFFF"/>
+                </a:highlight>
+              </a:rPr>
+              <a:t>fact table</a:t>
+            </a:r>
+            <a:r>
+              <a:rPr lang="en-US" sz="2200" dirty="0"/>
+              <a:t>, which is the </a:t>
+            </a:r>
+            <a:r>
+              <a:rPr lang="en-US" sz="2200" dirty="0">
+                <a:highlight>
+                  <a:srgbClr val="00FFFF"/>
+                </a:highlight>
+              </a:rPr>
+              <a:t>core of the star schema. </a:t>
+            </a:r>
+          </a:p>
+          <a:p>
+            <a:r>
+              <a:rPr lang="en-US" sz="2200" dirty="0"/>
+              <a:t>The fact table should contain the </a:t>
+            </a:r>
+            <a:r>
+              <a:rPr lang="en-US" sz="2200" b="1" dirty="0">
+                <a:highlight>
+                  <a:srgbClr val="00FF00"/>
+                </a:highlight>
+              </a:rPr>
+              <a:t>numeric measures </a:t>
+            </a:r>
+            <a:r>
+              <a:rPr lang="en-US" sz="2200" dirty="0"/>
+              <a:t>that are relevant to the business requirements, </a:t>
+            </a:r>
+            <a:r>
+              <a:rPr lang="en-US" sz="2200" dirty="0">
                 <a:highlight>
                   <a:srgbClr val="FFFF00"/>
                 </a:highlight>
               </a:rPr>
-              <a:t>spokes of the star schema</a:t>
-            </a:r>
-            <a:r>
-              <a:rPr lang="en-US" sz="2400" dirty="0"/>
+              <a:t>such as sales, revenue, profit, or customer satisfaction</a:t>
+            </a:r>
+            <a:r>
+              <a:rPr lang="en-US" sz="2200" dirty="0"/>
               <a:t>. </a:t>
             </a:r>
           </a:p>
           <a:p>
-            <a:pPr marL="0" indent="0">
-              <a:buNone/>
-            </a:pPr>
-            <a:r>
-              <a:rPr lang="en-US" sz="2400" dirty="0"/>
-              <a:t>2. The dimension tables should contain the </a:t>
-            </a:r>
-            <a:r>
-              <a:rPr lang="en-US" sz="2400" dirty="0">
+            <a:r>
+              <a:rPr lang="en-US" sz="2200" dirty="0"/>
+              <a:t>The fact table should also have foreign keys that link to the dimension tables, which provide the </a:t>
+            </a:r>
+            <a:r>
+              <a:rPr lang="en-US" sz="2200" dirty="0">
                 <a:highlight>
-                  <a:srgbClr val="00FFFF"/>
+                  <a:srgbClr val="FFFF00"/>
                 </a:highlight>
               </a:rPr>
-              <a:t>descriptive attributes </a:t>
-            </a:r>
-            <a:r>
-              <a:rPr lang="en-US" sz="2400" dirty="0"/>
-              <a:t>that characterize the facts, such as product, customer, location, time, or channel. </a:t>
-            </a:r>
-          </a:p>
-          <a:p>
-            <a:pPr marL="0" indent="0">
-              <a:buNone/>
-            </a:pPr>
-            <a:r>
-              <a:rPr lang="en-US" sz="2400" dirty="0"/>
-              <a:t>3. The dimension tables should have </a:t>
-            </a:r>
-            <a:r>
-              <a:rPr lang="en-US" sz="2400" dirty="0">
-                <a:highlight>
-                  <a:srgbClr val="00FFFF"/>
-                </a:highlight>
-              </a:rPr>
-              <a:t>primary keys </a:t>
-            </a:r>
-            <a:r>
-              <a:rPr lang="en-US" sz="2400" dirty="0"/>
-              <a:t>that match the foreign keys in the fact table, </a:t>
-            </a:r>
-          </a:p>
-          <a:p>
-            <a:pPr marL="0" indent="0">
-              <a:buNone/>
-            </a:pPr>
-            <a:r>
-              <a:rPr lang="en-US" sz="2400" dirty="0"/>
-              <a:t>4. ..</a:t>
-            </a:r>
-          </a:p>
-          <a:p>
-            <a:pPr marL="0" indent="0">
-              <a:buNone/>
-            </a:pPr>
-            <a:endParaRPr lang="en-US" sz="2800" dirty="0"/>
+              <a:t>context for the measures</a:t>
+            </a:r>
+            <a:r>
+              <a:rPr lang="en-US" sz="2200" dirty="0"/>
+              <a:t>. </a:t>
+            </a:r>
+          </a:p>
+          <a:p>
+            <a:r>
+              <a:rPr lang="en-US" sz="2200" dirty="0"/>
+              <a:t>The fact table should have a high level of granularity, meaning that it should store the most detailed and atomic data possible.</a:t>
+            </a:r>
           </a:p>
         </p:txBody>
       </p:sp>
     </p:spTree>
     <p:extLst>
       <p:ext uri="{BB962C8B-B14F-4D97-AF65-F5344CB8AC3E}">
-        <p14:creationId xmlns:p14="http://schemas.microsoft.com/office/powerpoint/2010/main" val="3182629426"/>
+        <p14:creationId xmlns:p14="http://schemas.microsoft.com/office/powerpoint/2010/main" val="1807891547"/>
       </p:ext>
     </p:extLst>
   </p:cSld>
@@ -7043,6 +6992,768 @@
         <p:cNvPr id="1" name="">
           <a:extLst>
             <a:ext uri="{FF2B5EF4-FFF2-40B4-BE49-F238E27FC236}">
+              <a16:creationId xmlns:a16="http://schemas.microsoft.com/office/drawing/2014/main" id="{9881363F-E9C5-D8AB-1E42-D824F4CEC4DA}"/>
+            </a:ext>
+          </a:extLst>
+        </p:cNvPr>
+        <p:cNvGrpSpPr/>
+        <p:nvPr/>
+      </p:nvGrpSpPr>
+      <p:grpSpPr>
+        <a:xfrm>
+          <a:off x="0" y="0"/>
+          <a:ext cx="0" cy="0"/>
+          <a:chOff x="0" y="0"/>
+          <a:chExt cx="0" cy="0"/>
+        </a:xfrm>
+      </p:grpSpPr>
+      <p:sp>
+        <p:nvSpPr>
+          <p:cNvPr id="4" name="Title 3">
+            <a:extLst>
+              <a:ext uri="{FF2B5EF4-FFF2-40B4-BE49-F238E27FC236}">
+                <a16:creationId xmlns:a16="http://schemas.microsoft.com/office/drawing/2014/main" id="{FB04ED70-36B0-F7C7-DE44-BF43C9B42C03}"/>
+              </a:ext>
+            </a:extLst>
+          </p:cNvPr>
+          <p:cNvSpPr>
+            <a:spLocks noGrp="1"/>
+          </p:cNvSpPr>
+          <p:nvPr>
+            <p:ph type="title"/>
+          </p:nvPr>
+        </p:nvSpPr>
+        <p:spPr/>
+        <p:txBody>
+          <a:bodyPr>
+            <a:normAutofit/>
+          </a:bodyPr>
+          <a:lstStyle/>
+          <a:p>
+            <a:r>
+              <a:rPr lang="en-US" dirty="0"/>
+              <a:t>2. Define the FACT Table</a:t>
+            </a:r>
+          </a:p>
+        </p:txBody>
+      </p:sp>
+      <p:sp>
+        <p:nvSpPr>
+          <p:cNvPr id="5" name="Content Placeholder 4">
+            <a:extLst>
+              <a:ext uri="{FF2B5EF4-FFF2-40B4-BE49-F238E27FC236}">
+                <a16:creationId xmlns:a16="http://schemas.microsoft.com/office/drawing/2014/main" id="{9DD15A2E-7163-B882-E54C-58C2958ACD9B}"/>
+              </a:ext>
+            </a:extLst>
+          </p:cNvPr>
+          <p:cNvSpPr>
+            <a:spLocks noGrp="1"/>
+          </p:cNvSpPr>
+          <p:nvPr>
+            <p:ph idx="1"/>
+          </p:nvPr>
+        </p:nvSpPr>
+        <p:spPr>
+          <a:xfrm>
+            <a:off x="628650" y="1026695"/>
+            <a:ext cx="7886700" cy="3606028"/>
+          </a:xfrm>
+        </p:spPr>
+        <p:txBody>
+          <a:bodyPr>
+            <a:noAutofit/>
+          </a:bodyPr>
+          <a:lstStyle/>
+          <a:p>
+            <a:r>
+              <a:rPr lang="en-US" sz="2800" dirty="0"/>
+              <a:t>Select Dimensions and Facts: </a:t>
+            </a:r>
+          </a:p>
+          <a:p>
+            <a:r>
+              <a:rPr lang="en-US" sz="2800" dirty="0"/>
+              <a:t>Identify dimensions (</a:t>
+            </a:r>
+            <a:r>
+              <a:rPr lang="en-US" sz="2800" dirty="0">
+                <a:highlight>
+                  <a:srgbClr val="00FFFF"/>
+                </a:highlight>
+              </a:rPr>
+              <a:t>descriptive attributes</a:t>
+            </a:r>
+            <a:r>
+              <a:rPr lang="en-US" sz="2800" dirty="0"/>
+              <a:t>) and </a:t>
+            </a:r>
+          </a:p>
+          <a:p>
+            <a:r>
+              <a:rPr lang="en-US" sz="2800" dirty="0"/>
+              <a:t>Facts (</a:t>
+            </a:r>
+            <a:r>
+              <a:rPr lang="en-US" sz="2800" dirty="0">
+                <a:highlight>
+                  <a:srgbClr val="00FFFF"/>
+                </a:highlight>
+              </a:rPr>
+              <a:t>measurable metrics</a:t>
+            </a:r>
+            <a:r>
+              <a:rPr lang="en-US" sz="2800" dirty="0"/>
+              <a:t>) that are essential for reporting and analysis. </a:t>
+            </a:r>
+          </a:p>
+        </p:txBody>
+      </p:sp>
+    </p:spTree>
+    <p:extLst>
+      <p:ext uri="{BB962C8B-B14F-4D97-AF65-F5344CB8AC3E}">
+        <p14:creationId xmlns:p14="http://schemas.microsoft.com/office/powerpoint/2010/main" val="3996700478"/>
+      </p:ext>
+    </p:extLst>
+  </p:cSld>
+  <p:clrMapOvr>
+    <a:masterClrMapping/>
+  </p:clrMapOvr>
+  <p:timing>
+    <p:tnLst>
+      <p:par>
+        <p:cTn id="1" dur="indefinite" restart="never" nodeType="tmRoot">
+          <p:childTnLst>
+            <p:seq concurrent="1" nextAc="seek">
+              <p:cTn id="2" dur="indefinite" nodeType="mainSeq">
+                <p:childTnLst>
+                  <p:par>
+                    <p:cTn id="3" fill="hold">
+                      <p:stCondLst>
+                        <p:cond delay="indefinite"/>
+                      </p:stCondLst>
+                      <p:childTnLst>
+                        <p:par>
+                          <p:cTn id="4" fill="hold">
+                            <p:stCondLst>
+                              <p:cond delay="0"/>
+                            </p:stCondLst>
+                            <p:childTnLst>
+                              <p:par>
+                                <p:cTn id="5" presetID="1" presetClass="entr" presetSubtype="0" fill="hold" nodeType="clickEffect">
+                                  <p:stCondLst>
+                                    <p:cond delay="0"/>
+                                  </p:stCondLst>
+                                  <p:childTnLst>
+                                    <p:set>
+                                      <p:cBhvr>
+                                        <p:cTn id="6" dur="1" fill="hold">
+                                          <p:stCondLst>
+                                            <p:cond delay="0"/>
+                                          </p:stCondLst>
+                                        </p:cTn>
+                                        <p:tgtEl>
+                                          <p:spTgt spid="5">
+                                            <p:txEl>
+                                              <p:pRg st="0" end="0"/>
+                                            </p:txEl>
+                                          </p:spTgt>
+                                        </p:tgtEl>
+                                        <p:attrNameLst>
+                                          <p:attrName>style.visibility</p:attrName>
+                                        </p:attrNameLst>
+                                      </p:cBhvr>
+                                      <p:to>
+                                        <p:strVal val="visible"/>
+                                      </p:to>
+                                    </p:set>
+                                  </p:childTnLst>
+                                </p:cTn>
+                              </p:par>
+                            </p:childTnLst>
+                          </p:cTn>
+                        </p:par>
+                      </p:childTnLst>
+                    </p:cTn>
+                  </p:par>
+                  <p:par>
+                    <p:cTn id="7" fill="hold">
+                      <p:stCondLst>
+                        <p:cond delay="indefinite"/>
+                      </p:stCondLst>
+                      <p:childTnLst>
+                        <p:par>
+                          <p:cTn id="8" fill="hold">
+                            <p:stCondLst>
+                              <p:cond delay="0"/>
+                            </p:stCondLst>
+                            <p:childTnLst>
+                              <p:par>
+                                <p:cTn id="9" presetID="1" presetClass="entr" presetSubtype="0" fill="hold" nodeType="clickEffect">
+                                  <p:stCondLst>
+                                    <p:cond delay="0"/>
+                                  </p:stCondLst>
+                                  <p:childTnLst>
+                                    <p:set>
+                                      <p:cBhvr>
+                                        <p:cTn id="10" dur="1" fill="hold">
+                                          <p:stCondLst>
+                                            <p:cond delay="0"/>
+                                          </p:stCondLst>
+                                        </p:cTn>
+                                        <p:tgtEl>
+                                          <p:spTgt spid="5">
+                                            <p:txEl>
+                                              <p:pRg st="1" end="1"/>
+                                            </p:txEl>
+                                          </p:spTgt>
+                                        </p:tgtEl>
+                                        <p:attrNameLst>
+                                          <p:attrName>style.visibility</p:attrName>
+                                        </p:attrNameLst>
+                                      </p:cBhvr>
+                                      <p:to>
+                                        <p:strVal val="visible"/>
+                                      </p:to>
+                                    </p:set>
+                                  </p:childTnLst>
+                                </p:cTn>
+                              </p:par>
+                            </p:childTnLst>
+                          </p:cTn>
+                        </p:par>
+                      </p:childTnLst>
+                    </p:cTn>
+                  </p:par>
+                  <p:par>
+                    <p:cTn id="11" fill="hold">
+                      <p:stCondLst>
+                        <p:cond delay="indefinite"/>
+                      </p:stCondLst>
+                      <p:childTnLst>
+                        <p:par>
+                          <p:cTn id="12" fill="hold">
+                            <p:stCondLst>
+                              <p:cond delay="0"/>
+                            </p:stCondLst>
+                            <p:childTnLst>
+                              <p:par>
+                                <p:cTn id="13" presetID="1" presetClass="entr" presetSubtype="0" fill="hold" nodeType="clickEffect">
+                                  <p:stCondLst>
+                                    <p:cond delay="0"/>
+                                  </p:stCondLst>
+                                  <p:childTnLst>
+                                    <p:set>
+                                      <p:cBhvr>
+                                        <p:cTn id="14" dur="1" fill="hold">
+                                          <p:stCondLst>
+                                            <p:cond delay="0"/>
+                                          </p:stCondLst>
+                                        </p:cTn>
+                                        <p:tgtEl>
+                                          <p:spTgt spid="5">
+                                            <p:txEl>
+                                              <p:pRg st="2" end="2"/>
+                                            </p:txEl>
+                                          </p:spTgt>
+                                        </p:tgtEl>
+                                        <p:attrNameLst>
+                                          <p:attrName>style.visibility</p:attrName>
+                                        </p:attrNameLst>
+                                      </p:cBhvr>
+                                      <p:to>
+                                        <p:strVal val="visible"/>
+                                      </p:to>
+                                    </p:set>
+                                  </p:childTnLst>
+                                </p:cTn>
+                              </p:par>
+                            </p:childTnLst>
+                          </p:cTn>
+                        </p:par>
+                      </p:childTnLst>
+                    </p:cTn>
+                  </p:par>
+                </p:childTnLst>
+              </p:cTn>
+              <p:prevCondLst>
+                <p:cond evt="onPrev" delay="0">
+                  <p:tgtEl>
+                    <p:sldTgt/>
+                  </p:tgtEl>
+                </p:cond>
+              </p:prevCondLst>
+              <p:nextCondLst>
+                <p:cond evt="onNext" delay="0">
+                  <p:tgtEl>
+                    <p:sldTgt/>
+                  </p:tgtEl>
+                </p:cond>
+              </p:nextCondLst>
+            </p:seq>
+          </p:childTnLst>
+        </p:cTn>
+      </p:par>
+    </p:tnLst>
+  </p:timing>
+</p:sld>
+</file>
+
+<file path=ppt/slides/slide12.xml><?xml version="1.0" encoding="utf-8"?>
+<p:sld xmlns:a="http://schemas.openxmlformats.org/drawingml/2006/main" xmlns:r="http://schemas.openxmlformats.org/officeDocument/2006/relationships" xmlns:p="http://schemas.openxmlformats.org/presentationml/2006/main">
+  <p:cSld>
+    <p:spTree>
+      <p:nvGrpSpPr>
+        <p:cNvPr id="1" name="">
+          <a:extLst>
+            <a:ext uri="{FF2B5EF4-FFF2-40B4-BE49-F238E27FC236}">
+              <a16:creationId xmlns:a16="http://schemas.microsoft.com/office/drawing/2014/main" id="{ACDD18F9-594C-09DE-C878-164986D73AAE}"/>
+            </a:ext>
+          </a:extLst>
+        </p:cNvPr>
+        <p:cNvGrpSpPr/>
+        <p:nvPr/>
+      </p:nvGrpSpPr>
+      <p:grpSpPr>
+        <a:xfrm>
+          <a:off x="0" y="0"/>
+          <a:ext cx="0" cy="0"/>
+          <a:chOff x="0" y="0"/>
+          <a:chExt cx="0" cy="0"/>
+        </a:xfrm>
+      </p:grpSpPr>
+      <p:sp>
+        <p:nvSpPr>
+          <p:cNvPr id="4" name="Title 3">
+            <a:extLst>
+              <a:ext uri="{FF2B5EF4-FFF2-40B4-BE49-F238E27FC236}">
+                <a16:creationId xmlns:a16="http://schemas.microsoft.com/office/drawing/2014/main" id="{902F9CE9-DCDE-95C8-855D-52E006707676}"/>
+              </a:ext>
+            </a:extLst>
+          </p:cNvPr>
+          <p:cNvSpPr>
+            <a:spLocks noGrp="1"/>
+          </p:cNvSpPr>
+          <p:nvPr>
+            <p:ph type="title"/>
+          </p:nvPr>
+        </p:nvSpPr>
+        <p:spPr>
+          <a:xfrm>
+            <a:off x="628650" y="191590"/>
+            <a:ext cx="7886700" cy="835105"/>
+          </a:xfrm>
+        </p:spPr>
+        <p:txBody>
+          <a:bodyPr>
+            <a:normAutofit fontScale="90000"/>
+          </a:bodyPr>
+          <a:lstStyle/>
+          <a:p>
+            <a:br>
+              <a:rPr lang="en-US" b="1" i="0" dirty="0">
+                <a:effectLst/>
+                <a:latin typeface="-apple-system"/>
+              </a:rPr>
+            </a:br>
+            <a:br>
+              <a:rPr lang="en-US" b="1" i="0" dirty="0">
+                <a:effectLst/>
+                <a:latin typeface="-apple-system"/>
+              </a:rPr>
+            </a:br>
+            <a:br>
+              <a:rPr lang="en-US" b="1" i="0" dirty="0">
+                <a:effectLst/>
+                <a:latin typeface="-apple-system"/>
+              </a:rPr>
+            </a:br>
+            <a:br>
+              <a:rPr lang="en-US" b="1" dirty="0">
+                <a:latin typeface="-apple-system"/>
+              </a:rPr>
+            </a:br>
+            <a:br>
+              <a:rPr lang="en-US" b="1" dirty="0">
+                <a:latin typeface="-apple-system"/>
+              </a:rPr>
+            </a:br>
+            <a:r>
+              <a:rPr lang="en-US" b="1" dirty="0">
+                <a:latin typeface="-apple-system"/>
+              </a:rPr>
+              <a:t>3. </a:t>
+            </a:r>
+            <a:r>
+              <a:rPr lang="en-US" b="1" i="0" dirty="0">
+                <a:effectLst/>
+                <a:latin typeface="-apple-system"/>
+              </a:rPr>
+              <a:t>Define the Dimension tables</a:t>
+            </a:r>
+            <a:br>
+              <a:rPr lang="en-US" b="1" i="0" dirty="0">
+                <a:effectLst/>
+                <a:latin typeface="-apple-system"/>
+              </a:rPr>
+            </a:br>
+            <a:endParaRPr lang="en-US" dirty="0"/>
+          </a:p>
+        </p:txBody>
+      </p:sp>
+      <p:sp>
+        <p:nvSpPr>
+          <p:cNvPr id="5" name="Content Placeholder 4">
+            <a:extLst>
+              <a:ext uri="{FF2B5EF4-FFF2-40B4-BE49-F238E27FC236}">
+                <a16:creationId xmlns:a16="http://schemas.microsoft.com/office/drawing/2014/main" id="{4E7E6A9A-B53D-AC62-3AF9-8C4D1645B596}"/>
+              </a:ext>
+            </a:extLst>
+          </p:cNvPr>
+          <p:cNvSpPr>
+            <a:spLocks noGrp="1"/>
+          </p:cNvSpPr>
+          <p:nvPr>
+            <p:ph idx="1"/>
+          </p:nvPr>
+        </p:nvSpPr>
+        <p:spPr>
+          <a:xfrm>
+            <a:off x="628650" y="1026695"/>
+            <a:ext cx="7886700" cy="3606028"/>
+          </a:xfrm>
+        </p:spPr>
+        <p:txBody>
+          <a:bodyPr>
+            <a:noAutofit/>
+          </a:bodyPr>
+          <a:lstStyle/>
+          <a:p>
+            <a:pPr marL="0" indent="0">
+              <a:buNone/>
+            </a:pPr>
+            <a:r>
+              <a:rPr lang="en-US" sz="2400" dirty="0"/>
+              <a:t>1. The third step is to define the dimension tables, which are the </a:t>
+            </a:r>
+            <a:r>
+              <a:rPr lang="en-US" sz="2400" b="1" dirty="0">
+                <a:highlight>
+                  <a:srgbClr val="FFFF00"/>
+                </a:highlight>
+              </a:rPr>
+              <a:t>spokes of the star schema</a:t>
+            </a:r>
+            <a:r>
+              <a:rPr lang="en-US" sz="2400" dirty="0"/>
+              <a:t>. </a:t>
+            </a:r>
+          </a:p>
+          <a:p>
+            <a:pPr marL="0" indent="0">
+              <a:buNone/>
+            </a:pPr>
+            <a:r>
+              <a:rPr lang="en-US" sz="2400" dirty="0"/>
+              <a:t>2. The dimension tables should contain the </a:t>
+            </a:r>
+            <a:r>
+              <a:rPr lang="en-US" sz="2400" dirty="0">
+                <a:highlight>
+                  <a:srgbClr val="00FFFF"/>
+                </a:highlight>
+              </a:rPr>
+              <a:t>descriptive attributes </a:t>
+            </a:r>
+            <a:r>
+              <a:rPr lang="en-US" sz="2400" dirty="0"/>
+              <a:t>that characterize the facts, such as product, customer, location, time, or channel. </a:t>
+            </a:r>
+          </a:p>
+          <a:p>
+            <a:pPr marL="0" indent="0">
+              <a:buNone/>
+            </a:pPr>
+            <a:r>
+              <a:rPr lang="en-US" sz="2400" dirty="0"/>
+              <a:t>3. The dimension tables should have </a:t>
+            </a:r>
+            <a:r>
+              <a:rPr lang="en-US" sz="2400" dirty="0">
+                <a:highlight>
+                  <a:srgbClr val="00FFFF"/>
+                </a:highlight>
+              </a:rPr>
+              <a:t>primary keys </a:t>
+            </a:r>
+            <a:r>
+              <a:rPr lang="en-US" sz="2400" dirty="0"/>
+              <a:t>that match the foreign keys in the fact table, </a:t>
+            </a:r>
+          </a:p>
+          <a:p>
+            <a:pPr marL="0" indent="0">
+              <a:buNone/>
+            </a:pPr>
+            <a:r>
+              <a:rPr lang="en-US" sz="2400" dirty="0"/>
+              <a:t>4. ..</a:t>
+            </a:r>
+          </a:p>
+          <a:p>
+            <a:pPr marL="0" indent="0">
+              <a:buNone/>
+            </a:pPr>
+            <a:endParaRPr lang="en-US" sz="2800" dirty="0"/>
+          </a:p>
+        </p:txBody>
+      </p:sp>
+    </p:spTree>
+    <p:extLst>
+      <p:ext uri="{BB962C8B-B14F-4D97-AF65-F5344CB8AC3E}">
+        <p14:creationId xmlns:p14="http://schemas.microsoft.com/office/powerpoint/2010/main" val="3182629426"/>
+      </p:ext>
+    </p:extLst>
+  </p:cSld>
+  <p:clrMapOvr>
+    <a:masterClrMapping/>
+  </p:clrMapOvr>
+  <p:timing>
+    <p:tnLst>
+      <p:par>
+        <p:cTn id="1" dur="indefinite" restart="never" nodeType="tmRoot">
+          <p:childTnLst>
+            <p:seq concurrent="1" nextAc="seek">
+              <p:cTn id="2" dur="indefinite" nodeType="mainSeq">
+                <p:childTnLst>
+                  <p:par>
+                    <p:cTn id="3" fill="hold">
+                      <p:stCondLst>
+                        <p:cond delay="indefinite"/>
+                      </p:stCondLst>
+                      <p:childTnLst>
+                        <p:par>
+                          <p:cTn id="4" fill="hold">
+                            <p:stCondLst>
+                              <p:cond delay="0"/>
+                            </p:stCondLst>
+                            <p:childTnLst>
+                              <p:par>
+                                <p:cTn id="5" presetID="1" presetClass="entr" presetSubtype="0" fill="hold" nodeType="clickEffect">
+                                  <p:stCondLst>
+                                    <p:cond delay="0"/>
+                                  </p:stCondLst>
+                                  <p:childTnLst>
+                                    <p:set>
+                                      <p:cBhvr>
+                                        <p:cTn id="6" dur="1" fill="hold">
+                                          <p:stCondLst>
+                                            <p:cond delay="0"/>
+                                          </p:stCondLst>
+                                        </p:cTn>
+                                        <p:tgtEl>
+                                          <p:spTgt spid="5">
+                                            <p:txEl>
+                                              <p:pRg st="0" end="0"/>
+                                            </p:txEl>
+                                          </p:spTgt>
+                                        </p:tgtEl>
+                                        <p:attrNameLst>
+                                          <p:attrName>style.visibility</p:attrName>
+                                        </p:attrNameLst>
+                                      </p:cBhvr>
+                                      <p:to>
+                                        <p:strVal val="visible"/>
+                                      </p:to>
+                                    </p:set>
+                                  </p:childTnLst>
+                                </p:cTn>
+                              </p:par>
+                            </p:childTnLst>
+                          </p:cTn>
+                        </p:par>
+                      </p:childTnLst>
+                    </p:cTn>
+                  </p:par>
+                  <p:par>
+                    <p:cTn id="7" fill="hold">
+                      <p:stCondLst>
+                        <p:cond delay="indefinite"/>
+                      </p:stCondLst>
+                      <p:childTnLst>
+                        <p:par>
+                          <p:cTn id="8" fill="hold">
+                            <p:stCondLst>
+                              <p:cond delay="0"/>
+                            </p:stCondLst>
+                            <p:childTnLst>
+                              <p:par>
+                                <p:cTn id="9" presetID="1" presetClass="entr" presetSubtype="0" fill="hold" nodeType="clickEffect">
+                                  <p:stCondLst>
+                                    <p:cond delay="0"/>
+                                  </p:stCondLst>
+                                  <p:childTnLst>
+                                    <p:set>
+                                      <p:cBhvr>
+                                        <p:cTn id="10" dur="1" fill="hold">
+                                          <p:stCondLst>
+                                            <p:cond delay="0"/>
+                                          </p:stCondLst>
+                                        </p:cTn>
+                                        <p:tgtEl>
+                                          <p:spTgt spid="5">
+                                            <p:txEl>
+                                              <p:pRg st="1" end="1"/>
+                                            </p:txEl>
+                                          </p:spTgt>
+                                        </p:tgtEl>
+                                        <p:attrNameLst>
+                                          <p:attrName>style.visibility</p:attrName>
+                                        </p:attrNameLst>
+                                      </p:cBhvr>
+                                      <p:to>
+                                        <p:strVal val="visible"/>
+                                      </p:to>
+                                    </p:set>
+                                  </p:childTnLst>
+                                </p:cTn>
+                              </p:par>
+                            </p:childTnLst>
+                          </p:cTn>
+                        </p:par>
+                      </p:childTnLst>
+                    </p:cTn>
+                  </p:par>
+                  <p:par>
+                    <p:cTn id="11" fill="hold">
+                      <p:stCondLst>
+                        <p:cond delay="indefinite"/>
+                      </p:stCondLst>
+                      <p:childTnLst>
+                        <p:par>
+                          <p:cTn id="12" fill="hold">
+                            <p:stCondLst>
+                              <p:cond delay="0"/>
+                            </p:stCondLst>
+                            <p:childTnLst>
+                              <p:par>
+                                <p:cTn id="13" presetID="1" presetClass="entr" presetSubtype="0" fill="hold" nodeType="clickEffect">
+                                  <p:stCondLst>
+                                    <p:cond delay="0"/>
+                                  </p:stCondLst>
+                                  <p:childTnLst>
+                                    <p:set>
+                                      <p:cBhvr>
+                                        <p:cTn id="14" dur="1" fill="hold">
+                                          <p:stCondLst>
+                                            <p:cond delay="0"/>
+                                          </p:stCondLst>
+                                        </p:cTn>
+                                        <p:tgtEl>
+                                          <p:spTgt spid="5">
+                                            <p:txEl>
+                                              <p:pRg st="2" end="2"/>
+                                            </p:txEl>
+                                          </p:spTgt>
+                                        </p:tgtEl>
+                                        <p:attrNameLst>
+                                          <p:attrName>style.visibility</p:attrName>
+                                        </p:attrNameLst>
+                                      </p:cBhvr>
+                                      <p:to>
+                                        <p:strVal val="visible"/>
+                                      </p:to>
+                                    </p:set>
+                                  </p:childTnLst>
+                                </p:cTn>
+                              </p:par>
+                            </p:childTnLst>
+                          </p:cTn>
+                        </p:par>
+                      </p:childTnLst>
+                    </p:cTn>
+                  </p:par>
+                  <p:par>
+                    <p:cTn id="15" fill="hold">
+                      <p:stCondLst>
+                        <p:cond delay="indefinite"/>
+                      </p:stCondLst>
+                      <p:childTnLst>
+                        <p:par>
+                          <p:cTn id="16" fill="hold">
+                            <p:stCondLst>
+                              <p:cond delay="0"/>
+                            </p:stCondLst>
+                            <p:childTnLst>
+                              <p:par>
+                                <p:cTn id="17" presetID="1" presetClass="entr" presetSubtype="0" fill="hold" nodeType="clickEffect">
+                                  <p:stCondLst>
+                                    <p:cond delay="0"/>
+                                  </p:stCondLst>
+                                  <p:childTnLst>
+                                    <p:set>
+                                      <p:cBhvr>
+                                        <p:cTn id="18" dur="1" fill="hold">
+                                          <p:stCondLst>
+                                            <p:cond delay="0"/>
+                                          </p:stCondLst>
+                                        </p:cTn>
+                                        <p:tgtEl>
+                                          <p:spTgt spid="5">
+                                            <p:txEl>
+                                              <p:pRg st="3" end="3"/>
+                                            </p:txEl>
+                                          </p:spTgt>
+                                        </p:tgtEl>
+                                        <p:attrNameLst>
+                                          <p:attrName>style.visibility</p:attrName>
+                                        </p:attrNameLst>
+                                      </p:cBhvr>
+                                      <p:to>
+                                        <p:strVal val="visible"/>
+                                      </p:to>
+                                    </p:set>
+                                  </p:childTnLst>
+                                </p:cTn>
+                              </p:par>
+                            </p:childTnLst>
+                          </p:cTn>
+                        </p:par>
+                      </p:childTnLst>
+                    </p:cTn>
+                  </p:par>
+                </p:childTnLst>
+              </p:cTn>
+              <p:prevCondLst>
+                <p:cond evt="onPrev" delay="0">
+                  <p:tgtEl>
+                    <p:sldTgt/>
+                  </p:tgtEl>
+                </p:cond>
+              </p:prevCondLst>
+              <p:nextCondLst>
+                <p:cond evt="onNext" delay="0">
+                  <p:tgtEl>
+                    <p:sldTgt/>
+                  </p:tgtEl>
+                </p:cond>
+              </p:nextCondLst>
+            </p:seq>
+          </p:childTnLst>
+        </p:cTn>
+      </p:par>
+    </p:tnLst>
+  </p:timing>
+</p:sld>
+</file>
+
+<file path=ppt/slides/slide13.xml><?xml version="1.0" encoding="utf-8"?>
+<p:sld xmlns:a="http://schemas.openxmlformats.org/drawingml/2006/main" xmlns:r="http://schemas.openxmlformats.org/officeDocument/2006/relationships" xmlns:p="http://schemas.openxmlformats.org/presentationml/2006/main">
+  <p:cSld>
+    <p:spTree>
+      <p:nvGrpSpPr>
+        <p:cNvPr id="1" name="">
+          <a:extLst>
+            <a:ext uri="{FF2B5EF4-FFF2-40B4-BE49-F238E27FC236}">
               <a16:creationId xmlns:a16="http://schemas.microsoft.com/office/drawing/2014/main" id="{46E1FA4D-AEDA-6830-D59E-6428E53D863F}"/>
             </a:ext>
           </a:extLst>
@@ -7353,7 +8064,7 @@
 </p:sld>
 </file>
 
-<file path=ppt/slides/slide12.xml><?xml version="1.0" encoding="utf-8"?>
+<file path=ppt/slides/slide14.xml><?xml version="1.0" encoding="utf-8"?>
 <p:sld xmlns:a="http://schemas.openxmlformats.org/drawingml/2006/main" xmlns:r="http://schemas.openxmlformats.org/officeDocument/2006/relationships" xmlns:p="http://schemas.openxmlformats.org/presentationml/2006/main">
   <p:cSld>
     <p:spTree>
@@ -7462,7 +8173,7 @@
 </p:sld>
 </file>
 
-<file path=ppt/slides/slide13.xml><?xml version="1.0" encoding="utf-8"?>
+<file path=ppt/slides/slide15.xml><?xml version="1.0" encoding="utf-8"?>
 <p:sld xmlns:a="http://schemas.openxmlformats.org/drawingml/2006/main" xmlns:r="http://schemas.openxmlformats.org/officeDocument/2006/relationships" xmlns:p="http://schemas.openxmlformats.org/presentationml/2006/main">
   <p:cSld>
     <p:spTree>
@@ -7571,7 +8282,7 @@
 </p:sld>
 </file>
 
-<file path=ppt/slides/slide14.xml><?xml version="1.0" encoding="utf-8"?>
+<file path=ppt/slides/slide16.xml><?xml version="1.0" encoding="utf-8"?>
 <p:sld xmlns:a="http://schemas.openxmlformats.org/drawingml/2006/main" xmlns:r="http://schemas.openxmlformats.org/officeDocument/2006/relationships" xmlns:p="http://schemas.openxmlformats.org/presentationml/2006/main">
   <p:cSld>
     <p:spTree>
@@ -7989,7 +8700,7 @@
 </p:sld>
 </file>
 
-<file path=ppt/slides/slide15.xml><?xml version="1.0" encoding="utf-8"?>
+<file path=ppt/slides/slide17.xml><?xml version="1.0" encoding="utf-8"?>
 <p:sld xmlns:a="http://schemas.openxmlformats.org/drawingml/2006/main" xmlns:r="http://schemas.openxmlformats.org/officeDocument/2006/relationships" xmlns:p="http://schemas.openxmlformats.org/presentationml/2006/main">
   <p:cSld>
     <p:spTree>
@@ -8331,7 +9042,7 @@
 </p:sld>
 </file>
 
-<file path=ppt/slides/slide16.xml><?xml version="1.0" encoding="utf-8"?>
+<file path=ppt/slides/slide18.xml><?xml version="1.0" encoding="utf-8"?>
 <p:sld xmlns:a="http://schemas.openxmlformats.org/drawingml/2006/main" xmlns:r="http://schemas.openxmlformats.org/officeDocument/2006/relationships" xmlns:p="http://schemas.openxmlformats.org/presentationml/2006/main">
   <p:cSld>
     <p:spTree>
@@ -8586,7 +9297,7 @@
 </p:sld>
 </file>
 
-<file path=ppt/slides/slide17.xml><?xml version="1.0" encoding="utf-8"?>
+<file path=ppt/slides/slide19.xml><?xml version="1.0" encoding="utf-8"?>
 <p:sld xmlns:a="http://schemas.openxmlformats.org/drawingml/2006/main" xmlns:r="http://schemas.openxmlformats.org/officeDocument/2006/relationships" xmlns:p="http://schemas.openxmlformats.org/presentationml/2006/main">
   <p:cSld>
     <p:spTree>
@@ -8937,318 +9648,6 @@
                                           <p:spTgt spid="5">
                                             <p:txEl>
                                               <p:pRg st="3" end="3"/>
-                                            </p:txEl>
-                                          </p:spTgt>
-                                        </p:tgtEl>
-                                        <p:attrNameLst>
-                                          <p:attrName>style.visibility</p:attrName>
-                                        </p:attrNameLst>
-                                      </p:cBhvr>
-                                      <p:to>
-                                        <p:strVal val="visible"/>
-                                      </p:to>
-                                    </p:set>
-                                  </p:childTnLst>
-                                </p:cTn>
-                              </p:par>
-                            </p:childTnLst>
-                          </p:cTn>
-                        </p:par>
-                      </p:childTnLst>
-                    </p:cTn>
-                  </p:par>
-                </p:childTnLst>
-              </p:cTn>
-              <p:prevCondLst>
-                <p:cond evt="onPrev" delay="0">
-                  <p:tgtEl>
-                    <p:sldTgt/>
-                  </p:tgtEl>
-                </p:cond>
-              </p:prevCondLst>
-              <p:nextCondLst>
-                <p:cond evt="onNext" delay="0">
-                  <p:tgtEl>
-                    <p:sldTgt/>
-                  </p:tgtEl>
-                </p:cond>
-              </p:nextCondLst>
-            </p:seq>
-          </p:childTnLst>
-        </p:cTn>
-      </p:par>
-    </p:tnLst>
-  </p:timing>
-</p:sld>
-</file>
-
-<file path=ppt/slides/slide18.xml><?xml version="1.0" encoding="utf-8"?>
-<p:sld xmlns:a="http://schemas.openxmlformats.org/drawingml/2006/main" xmlns:r="http://schemas.openxmlformats.org/officeDocument/2006/relationships" xmlns:p="http://schemas.openxmlformats.org/presentationml/2006/main">
-  <p:cSld>
-    <p:spTree>
-      <p:nvGrpSpPr>
-        <p:cNvPr id="1" name=""/>
-        <p:cNvGrpSpPr/>
-        <p:nvPr/>
-      </p:nvGrpSpPr>
-      <p:grpSpPr>
-        <a:xfrm>
-          <a:off x="0" y="0"/>
-          <a:ext cx="0" cy="0"/>
-          <a:chOff x="0" y="0"/>
-          <a:chExt cx="0" cy="0"/>
-        </a:xfrm>
-      </p:grpSpPr>
-      <p:sp>
-        <p:nvSpPr>
-          <p:cNvPr id="4" name="Title 3">
-            <a:extLst>
-              <a:ext uri="{FF2B5EF4-FFF2-40B4-BE49-F238E27FC236}">
-                <a16:creationId xmlns:a16="http://schemas.microsoft.com/office/drawing/2014/main" id="{DCCC8AEE-1310-634E-9023-7929C03FECFD}"/>
-              </a:ext>
-            </a:extLst>
-          </p:cNvPr>
-          <p:cNvSpPr>
-            <a:spLocks noGrp="1"/>
-          </p:cNvSpPr>
-          <p:nvPr>
-            <p:ph type="title"/>
-          </p:nvPr>
-        </p:nvSpPr>
-        <p:spPr>
-          <a:xfrm>
-            <a:off x="628650" y="273844"/>
-            <a:ext cx="7886700" cy="649265"/>
-          </a:xfrm>
-        </p:spPr>
-        <p:txBody>
-          <a:bodyPr/>
-          <a:lstStyle/>
-          <a:p>
-            <a:pPr fontAlgn="auto"/>
-            <a:r>
-              <a:rPr lang="en-US" b="1" dirty="0"/>
-              <a:t>6. Here’s what else to consider</a:t>
-            </a:r>
-          </a:p>
-        </p:txBody>
-      </p:sp>
-      <p:sp>
-        <p:nvSpPr>
-          <p:cNvPr id="5" name="Content Placeholder 4">
-            <a:extLst>
-              <a:ext uri="{FF2B5EF4-FFF2-40B4-BE49-F238E27FC236}">
-                <a16:creationId xmlns:a16="http://schemas.microsoft.com/office/drawing/2014/main" id="{C4FE1F5A-47C9-D047-9202-796ADD8B3DB3}"/>
-              </a:ext>
-            </a:extLst>
-          </p:cNvPr>
-          <p:cNvSpPr>
-            <a:spLocks noGrp="1"/>
-          </p:cNvSpPr>
-          <p:nvPr>
-            <p:ph idx="1"/>
-          </p:nvPr>
-        </p:nvSpPr>
-        <p:spPr/>
-        <p:txBody>
-          <a:bodyPr>
-            <a:noAutofit/>
-          </a:bodyPr>
-          <a:lstStyle/>
-          <a:p>
-            <a:pPr fontAlgn="auto"/>
-            <a:r>
-              <a:rPr lang="en-US" sz="2400" dirty="0"/>
-              <a:t>This is a space to share examples, stories, or insights that don’t fit into any of the previous sections. What else would you like to add?</a:t>
-            </a:r>
-          </a:p>
-          <a:p>
-            <a:r>
-              <a:rPr lang="en-US" sz="2400" dirty="0"/>
-              <a:t>Creating a successful star schema isn't just about how it looks; it's about </a:t>
-            </a:r>
-            <a:r>
-              <a:rPr lang="en-US" sz="2400" dirty="0">
-                <a:highlight>
-                  <a:srgbClr val="00FF00"/>
-                </a:highlight>
-              </a:rPr>
-              <a:t>how it adapts and grows over time</a:t>
-            </a:r>
-            <a:r>
-              <a:rPr lang="en-US" sz="2400" dirty="0"/>
-              <a:t>. </a:t>
-            </a:r>
-          </a:p>
-          <a:p>
-            <a:r>
-              <a:rPr lang="en-US" sz="2400" dirty="0"/>
-              <a:t>Knowing the quirks of </a:t>
-            </a:r>
-            <a:r>
-              <a:rPr lang="en-US" sz="2400" dirty="0">
-                <a:highlight>
-                  <a:srgbClr val="00FF00"/>
-                </a:highlight>
-              </a:rPr>
-              <a:t>where your data comes from is crucial</a:t>
-            </a:r>
-            <a:r>
-              <a:rPr lang="en-US" sz="2400" dirty="0"/>
-              <a:t>; anomalies in the data can provide valuable insights, but they can also trip you up if you're not careful. </a:t>
-            </a:r>
-            <a:br>
-              <a:rPr lang="en-US" sz="2400" dirty="0"/>
-            </a:br>
-            <a:endParaRPr lang="en-US" sz="2400" dirty="0"/>
-          </a:p>
-        </p:txBody>
-      </p:sp>
-    </p:spTree>
-    <p:extLst>
-      <p:ext uri="{BB962C8B-B14F-4D97-AF65-F5344CB8AC3E}">
-        <p14:creationId xmlns:p14="http://schemas.microsoft.com/office/powerpoint/2010/main" val="2970467808"/>
-      </p:ext>
-    </p:extLst>
-  </p:cSld>
-  <p:clrMapOvr>
-    <a:masterClrMapping/>
-  </p:clrMapOvr>
-  <p:timing>
-    <p:tnLst>
-      <p:par>
-        <p:cTn id="1" dur="indefinite" restart="never" nodeType="tmRoot">
-          <p:childTnLst>
-            <p:seq concurrent="1" nextAc="seek">
-              <p:cTn id="2" dur="indefinite" nodeType="mainSeq">
-                <p:childTnLst>
-                  <p:par>
-                    <p:cTn id="3" fill="hold">
-                      <p:stCondLst>
-                        <p:cond delay="indefinite"/>
-                      </p:stCondLst>
-                      <p:childTnLst>
-                        <p:par>
-                          <p:cTn id="4" fill="hold">
-                            <p:stCondLst>
-                              <p:cond delay="0"/>
-                            </p:stCondLst>
-                            <p:childTnLst>
-                              <p:par>
-                                <p:cTn id="5" presetID="1" presetClass="entr" presetSubtype="0" fill="hold" nodeType="clickEffect">
-                                  <p:stCondLst>
-                                    <p:cond delay="0"/>
-                                  </p:stCondLst>
-                                  <p:childTnLst>
-                                    <p:set>
-                                      <p:cBhvr>
-                                        <p:cTn id="6" dur="1" fill="hold">
-                                          <p:stCondLst>
-                                            <p:cond delay="0"/>
-                                          </p:stCondLst>
-                                        </p:cTn>
-                                        <p:tgtEl>
-                                          <p:spTgt spid="5">
-                                            <p:txEl>
-                                              <p:pRg st="0" end="0"/>
-                                            </p:txEl>
-                                          </p:spTgt>
-                                        </p:tgtEl>
-                                        <p:attrNameLst>
-                                          <p:attrName>style.visibility</p:attrName>
-                                        </p:attrNameLst>
-                                      </p:cBhvr>
-                                      <p:to>
-                                        <p:strVal val="visible"/>
-                                      </p:to>
-                                    </p:set>
-                                  </p:childTnLst>
-                                </p:cTn>
-                              </p:par>
-                            </p:childTnLst>
-                          </p:cTn>
-                        </p:par>
-                      </p:childTnLst>
-                    </p:cTn>
-                  </p:par>
-                  <p:par>
-                    <p:cTn id="7" fill="hold">
-                      <p:stCondLst>
-                        <p:cond delay="indefinite"/>
-                      </p:stCondLst>
-                      <p:childTnLst>
-                        <p:par>
-                          <p:cTn id="8" fill="hold">
-                            <p:stCondLst>
-                              <p:cond delay="0"/>
-                            </p:stCondLst>
-                            <p:childTnLst>
-                              <p:par>
-                                <p:cTn id="9" presetID="1" presetClass="entr" presetSubtype="0" fill="hold" nodeType="clickEffect">
-                                  <p:stCondLst>
-                                    <p:cond delay="0"/>
-                                  </p:stCondLst>
-                                  <p:childTnLst>
-                                    <p:set>
-                                      <p:cBhvr>
-                                        <p:cTn id="10" dur="1" fill="hold">
-                                          <p:stCondLst>
-                                            <p:cond delay="0"/>
-                                          </p:stCondLst>
-                                        </p:cTn>
-                                        <p:tgtEl>
-                                          <p:spTgt spid="5">
-                                            <p:txEl>
-                                              <p:pRg st="1" end="1"/>
-                                            </p:txEl>
-                                          </p:spTgt>
-                                        </p:tgtEl>
-                                        <p:attrNameLst>
-                                          <p:attrName>style.visibility</p:attrName>
-                                        </p:attrNameLst>
-                                      </p:cBhvr>
-                                      <p:to>
-                                        <p:strVal val="visible"/>
-                                      </p:to>
-                                    </p:set>
-                                  </p:childTnLst>
-                                </p:cTn>
-                              </p:par>
-                            </p:childTnLst>
-                          </p:cTn>
-                        </p:par>
-                      </p:childTnLst>
-                    </p:cTn>
-                  </p:par>
-                  <p:par>
-                    <p:cTn id="11" fill="hold">
-                      <p:stCondLst>
-                        <p:cond delay="indefinite"/>
-                      </p:stCondLst>
-                      <p:childTnLst>
-                        <p:par>
-                          <p:cTn id="12" fill="hold">
-                            <p:stCondLst>
-                              <p:cond delay="0"/>
-                            </p:stCondLst>
-                            <p:childTnLst>
-                              <p:par>
-                                <p:cTn id="13" presetID="1" presetClass="entr" presetSubtype="0" fill="hold" nodeType="clickEffect">
-                                  <p:stCondLst>
-                                    <p:cond delay="0"/>
-                                  </p:stCondLst>
-                                  <p:childTnLst>
-                                    <p:set>
-                                      <p:cBhvr>
-                                        <p:cTn id="14" dur="1" fill="hold">
-                                          <p:stCondLst>
-                                            <p:cond delay="0"/>
-                                          </p:stCondLst>
-                                        </p:cTn>
-                                        <p:tgtEl>
-                                          <p:spTgt spid="5">
-                                            <p:txEl>
-                                              <p:pRg st="2" end="2"/>
                                             </p:txEl>
                                           </p:spTgt>
                                         </p:tgtEl>
@@ -10124,6 +10523,318 @@
 </p:sld>
 </file>
 
+<file path=ppt/slides/slide20.xml><?xml version="1.0" encoding="utf-8"?>
+<p:sld xmlns:a="http://schemas.openxmlformats.org/drawingml/2006/main" xmlns:r="http://schemas.openxmlformats.org/officeDocument/2006/relationships" xmlns:p="http://schemas.openxmlformats.org/presentationml/2006/main">
+  <p:cSld>
+    <p:spTree>
+      <p:nvGrpSpPr>
+        <p:cNvPr id="1" name=""/>
+        <p:cNvGrpSpPr/>
+        <p:nvPr/>
+      </p:nvGrpSpPr>
+      <p:grpSpPr>
+        <a:xfrm>
+          <a:off x="0" y="0"/>
+          <a:ext cx="0" cy="0"/>
+          <a:chOff x="0" y="0"/>
+          <a:chExt cx="0" cy="0"/>
+        </a:xfrm>
+      </p:grpSpPr>
+      <p:sp>
+        <p:nvSpPr>
+          <p:cNvPr id="4" name="Title 3">
+            <a:extLst>
+              <a:ext uri="{FF2B5EF4-FFF2-40B4-BE49-F238E27FC236}">
+                <a16:creationId xmlns:a16="http://schemas.microsoft.com/office/drawing/2014/main" id="{DCCC8AEE-1310-634E-9023-7929C03FECFD}"/>
+              </a:ext>
+            </a:extLst>
+          </p:cNvPr>
+          <p:cNvSpPr>
+            <a:spLocks noGrp="1"/>
+          </p:cNvSpPr>
+          <p:nvPr>
+            <p:ph type="title"/>
+          </p:nvPr>
+        </p:nvSpPr>
+        <p:spPr>
+          <a:xfrm>
+            <a:off x="628650" y="273844"/>
+            <a:ext cx="7886700" cy="649265"/>
+          </a:xfrm>
+        </p:spPr>
+        <p:txBody>
+          <a:bodyPr/>
+          <a:lstStyle/>
+          <a:p>
+            <a:pPr fontAlgn="auto"/>
+            <a:r>
+              <a:rPr lang="en-US" b="1" dirty="0"/>
+              <a:t>6. Here’s what else to consider</a:t>
+            </a:r>
+          </a:p>
+        </p:txBody>
+      </p:sp>
+      <p:sp>
+        <p:nvSpPr>
+          <p:cNvPr id="5" name="Content Placeholder 4">
+            <a:extLst>
+              <a:ext uri="{FF2B5EF4-FFF2-40B4-BE49-F238E27FC236}">
+                <a16:creationId xmlns:a16="http://schemas.microsoft.com/office/drawing/2014/main" id="{C4FE1F5A-47C9-D047-9202-796ADD8B3DB3}"/>
+              </a:ext>
+            </a:extLst>
+          </p:cNvPr>
+          <p:cNvSpPr>
+            <a:spLocks noGrp="1"/>
+          </p:cNvSpPr>
+          <p:nvPr>
+            <p:ph idx="1"/>
+          </p:nvPr>
+        </p:nvSpPr>
+        <p:spPr/>
+        <p:txBody>
+          <a:bodyPr>
+            <a:noAutofit/>
+          </a:bodyPr>
+          <a:lstStyle/>
+          <a:p>
+            <a:pPr fontAlgn="auto"/>
+            <a:r>
+              <a:rPr lang="en-US" sz="2400" dirty="0"/>
+              <a:t>This is a space to share examples, stories, or insights that don’t fit into any of the previous sections. What else would you like to add?</a:t>
+            </a:r>
+          </a:p>
+          <a:p>
+            <a:r>
+              <a:rPr lang="en-US" sz="2400" dirty="0"/>
+              <a:t>Creating a successful star schema isn't just about how it looks; it's about </a:t>
+            </a:r>
+            <a:r>
+              <a:rPr lang="en-US" sz="2400" dirty="0">
+                <a:highlight>
+                  <a:srgbClr val="00FF00"/>
+                </a:highlight>
+              </a:rPr>
+              <a:t>how it adapts and grows over time</a:t>
+            </a:r>
+            <a:r>
+              <a:rPr lang="en-US" sz="2400" dirty="0"/>
+              <a:t>. </a:t>
+            </a:r>
+          </a:p>
+          <a:p>
+            <a:r>
+              <a:rPr lang="en-US" sz="2400" dirty="0"/>
+              <a:t>Knowing the quirks of </a:t>
+            </a:r>
+            <a:r>
+              <a:rPr lang="en-US" sz="2400" dirty="0">
+                <a:highlight>
+                  <a:srgbClr val="00FF00"/>
+                </a:highlight>
+              </a:rPr>
+              <a:t>where your data comes from is crucial</a:t>
+            </a:r>
+            <a:r>
+              <a:rPr lang="en-US" sz="2400" dirty="0"/>
+              <a:t>; anomalies in the data can provide valuable insights, but they can also trip you up if you're not careful. </a:t>
+            </a:r>
+            <a:br>
+              <a:rPr lang="en-US" sz="2400" dirty="0"/>
+            </a:br>
+            <a:endParaRPr lang="en-US" sz="2400" dirty="0"/>
+          </a:p>
+        </p:txBody>
+      </p:sp>
+    </p:spTree>
+    <p:extLst>
+      <p:ext uri="{BB962C8B-B14F-4D97-AF65-F5344CB8AC3E}">
+        <p14:creationId xmlns:p14="http://schemas.microsoft.com/office/powerpoint/2010/main" val="2970467808"/>
+      </p:ext>
+    </p:extLst>
+  </p:cSld>
+  <p:clrMapOvr>
+    <a:masterClrMapping/>
+  </p:clrMapOvr>
+  <p:timing>
+    <p:tnLst>
+      <p:par>
+        <p:cTn id="1" dur="indefinite" restart="never" nodeType="tmRoot">
+          <p:childTnLst>
+            <p:seq concurrent="1" nextAc="seek">
+              <p:cTn id="2" dur="indefinite" nodeType="mainSeq">
+                <p:childTnLst>
+                  <p:par>
+                    <p:cTn id="3" fill="hold">
+                      <p:stCondLst>
+                        <p:cond delay="indefinite"/>
+                      </p:stCondLst>
+                      <p:childTnLst>
+                        <p:par>
+                          <p:cTn id="4" fill="hold">
+                            <p:stCondLst>
+                              <p:cond delay="0"/>
+                            </p:stCondLst>
+                            <p:childTnLst>
+                              <p:par>
+                                <p:cTn id="5" presetID="1" presetClass="entr" presetSubtype="0" fill="hold" nodeType="clickEffect">
+                                  <p:stCondLst>
+                                    <p:cond delay="0"/>
+                                  </p:stCondLst>
+                                  <p:childTnLst>
+                                    <p:set>
+                                      <p:cBhvr>
+                                        <p:cTn id="6" dur="1" fill="hold">
+                                          <p:stCondLst>
+                                            <p:cond delay="0"/>
+                                          </p:stCondLst>
+                                        </p:cTn>
+                                        <p:tgtEl>
+                                          <p:spTgt spid="5">
+                                            <p:txEl>
+                                              <p:pRg st="0" end="0"/>
+                                            </p:txEl>
+                                          </p:spTgt>
+                                        </p:tgtEl>
+                                        <p:attrNameLst>
+                                          <p:attrName>style.visibility</p:attrName>
+                                        </p:attrNameLst>
+                                      </p:cBhvr>
+                                      <p:to>
+                                        <p:strVal val="visible"/>
+                                      </p:to>
+                                    </p:set>
+                                  </p:childTnLst>
+                                </p:cTn>
+                              </p:par>
+                            </p:childTnLst>
+                          </p:cTn>
+                        </p:par>
+                      </p:childTnLst>
+                    </p:cTn>
+                  </p:par>
+                  <p:par>
+                    <p:cTn id="7" fill="hold">
+                      <p:stCondLst>
+                        <p:cond delay="indefinite"/>
+                      </p:stCondLst>
+                      <p:childTnLst>
+                        <p:par>
+                          <p:cTn id="8" fill="hold">
+                            <p:stCondLst>
+                              <p:cond delay="0"/>
+                            </p:stCondLst>
+                            <p:childTnLst>
+                              <p:par>
+                                <p:cTn id="9" presetID="1" presetClass="entr" presetSubtype="0" fill="hold" nodeType="clickEffect">
+                                  <p:stCondLst>
+                                    <p:cond delay="0"/>
+                                  </p:stCondLst>
+                                  <p:childTnLst>
+                                    <p:set>
+                                      <p:cBhvr>
+                                        <p:cTn id="10" dur="1" fill="hold">
+                                          <p:stCondLst>
+                                            <p:cond delay="0"/>
+                                          </p:stCondLst>
+                                        </p:cTn>
+                                        <p:tgtEl>
+                                          <p:spTgt spid="5">
+                                            <p:txEl>
+                                              <p:pRg st="1" end="1"/>
+                                            </p:txEl>
+                                          </p:spTgt>
+                                        </p:tgtEl>
+                                        <p:attrNameLst>
+                                          <p:attrName>style.visibility</p:attrName>
+                                        </p:attrNameLst>
+                                      </p:cBhvr>
+                                      <p:to>
+                                        <p:strVal val="visible"/>
+                                      </p:to>
+                                    </p:set>
+                                  </p:childTnLst>
+                                </p:cTn>
+                              </p:par>
+                            </p:childTnLst>
+                          </p:cTn>
+                        </p:par>
+                      </p:childTnLst>
+                    </p:cTn>
+                  </p:par>
+                  <p:par>
+                    <p:cTn id="11" fill="hold">
+                      <p:stCondLst>
+                        <p:cond delay="indefinite"/>
+                      </p:stCondLst>
+                      <p:childTnLst>
+                        <p:par>
+                          <p:cTn id="12" fill="hold">
+                            <p:stCondLst>
+                              <p:cond delay="0"/>
+                            </p:stCondLst>
+                            <p:childTnLst>
+                              <p:par>
+                                <p:cTn id="13" presetID="1" presetClass="entr" presetSubtype="0" fill="hold" nodeType="clickEffect">
+                                  <p:stCondLst>
+                                    <p:cond delay="0"/>
+                                  </p:stCondLst>
+                                  <p:childTnLst>
+                                    <p:set>
+                                      <p:cBhvr>
+                                        <p:cTn id="14" dur="1" fill="hold">
+                                          <p:stCondLst>
+                                            <p:cond delay="0"/>
+                                          </p:stCondLst>
+                                        </p:cTn>
+                                        <p:tgtEl>
+                                          <p:spTgt spid="5">
+                                            <p:txEl>
+                                              <p:pRg st="2" end="2"/>
+                                            </p:txEl>
+                                          </p:spTgt>
+                                        </p:tgtEl>
+                                        <p:attrNameLst>
+                                          <p:attrName>style.visibility</p:attrName>
+                                        </p:attrNameLst>
+                                      </p:cBhvr>
+                                      <p:to>
+                                        <p:strVal val="visible"/>
+                                      </p:to>
+                                    </p:set>
+                                  </p:childTnLst>
+                                </p:cTn>
+                              </p:par>
+                            </p:childTnLst>
+                          </p:cTn>
+                        </p:par>
+                      </p:childTnLst>
+                    </p:cTn>
+                  </p:par>
+                </p:childTnLst>
+              </p:cTn>
+              <p:prevCondLst>
+                <p:cond evt="onPrev" delay="0">
+                  <p:tgtEl>
+                    <p:sldTgt/>
+                  </p:tgtEl>
+                </p:cond>
+              </p:prevCondLst>
+              <p:nextCondLst>
+                <p:cond evt="onNext" delay="0">
+                  <p:tgtEl>
+                    <p:sldTgt/>
+                  </p:tgtEl>
+                </p:cond>
+              </p:nextCondLst>
+            </p:seq>
+          </p:childTnLst>
+        </p:cTn>
+      </p:par>
+    </p:tnLst>
+  </p:timing>
+</p:sld>
+</file>
+
 <file path=ppt/slides/slide3.xml><?xml version="1.0" encoding="utf-8"?>
 <p:sld xmlns:a="http://schemas.openxmlformats.org/drawingml/2006/main" xmlns:r="http://schemas.openxmlformats.org/officeDocument/2006/relationships" xmlns:p="http://schemas.openxmlformats.org/presentationml/2006/main">
   <p:cSld>
@@ -11465,6 +12176,1079 @@
         <p:cNvPr id="1" name="">
           <a:extLst>
             <a:ext uri="{FF2B5EF4-FFF2-40B4-BE49-F238E27FC236}">
+              <a16:creationId xmlns:a16="http://schemas.microsoft.com/office/drawing/2014/main" id="{0875BA7A-6CA6-D126-E5CA-C628AF93F56A}"/>
+            </a:ext>
+          </a:extLst>
+        </p:cNvPr>
+        <p:cNvGrpSpPr/>
+        <p:nvPr/>
+      </p:nvGrpSpPr>
+      <p:grpSpPr>
+        <a:xfrm>
+          <a:off x="0" y="0"/>
+          <a:ext cx="0" cy="0"/>
+          <a:chOff x="0" y="0"/>
+          <a:chExt cx="0" cy="0"/>
+        </a:xfrm>
+      </p:grpSpPr>
+      <p:sp>
+        <p:nvSpPr>
+          <p:cNvPr id="4" name="Title 3">
+            <a:extLst>
+              <a:ext uri="{FF2B5EF4-FFF2-40B4-BE49-F238E27FC236}">
+                <a16:creationId xmlns:a16="http://schemas.microsoft.com/office/drawing/2014/main" id="{46F2E8EF-1BDC-D78C-3C86-716607EFB77C}"/>
+              </a:ext>
+            </a:extLst>
+          </p:cNvPr>
+          <p:cNvSpPr>
+            <a:spLocks noGrp="1"/>
+          </p:cNvSpPr>
+          <p:nvPr>
+            <p:ph type="title"/>
+          </p:nvPr>
+        </p:nvSpPr>
+        <p:spPr>
+          <a:xfrm>
+            <a:off x="628650" y="134351"/>
+            <a:ext cx="7886700" cy="752851"/>
+          </a:xfrm>
+        </p:spPr>
+        <p:txBody>
+          <a:bodyPr>
+            <a:noAutofit/>
+          </a:bodyPr>
+          <a:lstStyle/>
+          <a:p>
+            <a:r>
+              <a:rPr lang="en-US" sz="2000" b="1" i="0" dirty="0">
+                <a:effectLst/>
+                <a:latin typeface="-apple-system"/>
+              </a:rPr>
+              <a:t>1. Identify the business requirements</a:t>
+            </a:r>
+            <a:br>
+              <a:rPr lang="en-US" sz="2000" b="1" i="0" dirty="0">
+                <a:effectLst/>
+                <a:latin typeface="-apple-system"/>
+              </a:rPr>
+            </a:br>
+            <a:r>
+              <a:rPr lang="en-US" sz="2000" b="1" i="0" dirty="0">
+                <a:effectLst/>
+                <a:highlight>
+                  <a:srgbClr val="00FF00"/>
+                </a:highlight>
+                <a:latin typeface="-apple-system"/>
+              </a:rPr>
+              <a:t>T</a:t>
+            </a:r>
+            <a:r>
+              <a:rPr lang="en-US" sz="2000" dirty="0">
+                <a:highlight>
+                  <a:srgbClr val="00FF00"/>
+                </a:highlight>
+              </a:rPr>
+              <a:t>he key performance indicators </a:t>
+            </a:r>
+            <a:r>
+              <a:rPr lang="en-US" sz="2000" dirty="0"/>
+              <a:t>(KPIs)</a:t>
+            </a:r>
+            <a:endParaRPr lang="en-US" sz="2000" b="1" i="0" dirty="0">
+              <a:effectLst/>
+              <a:latin typeface="-apple-system"/>
+            </a:endParaRPr>
+          </a:p>
+        </p:txBody>
+      </p:sp>
+      <p:sp>
+        <p:nvSpPr>
+          <p:cNvPr id="5" name="Content Placeholder 4">
+            <a:extLst>
+              <a:ext uri="{FF2B5EF4-FFF2-40B4-BE49-F238E27FC236}">
+                <a16:creationId xmlns:a16="http://schemas.microsoft.com/office/drawing/2014/main" id="{D3B7A143-3117-F128-17F9-7C66AF04555F}"/>
+              </a:ext>
+            </a:extLst>
+          </p:cNvPr>
+          <p:cNvSpPr>
+            <a:spLocks noGrp="1"/>
+          </p:cNvSpPr>
+          <p:nvPr>
+            <p:ph idx="1"/>
+          </p:nvPr>
+        </p:nvSpPr>
+        <p:spPr>
+          <a:xfrm>
+            <a:off x="628650" y="887202"/>
+            <a:ext cx="7886700" cy="3606028"/>
+          </a:xfrm>
+        </p:spPr>
+        <p:txBody>
+          <a:bodyPr>
+            <a:normAutofit fontScale="77500" lnSpcReduction="20000"/>
+          </a:bodyPr>
+          <a:lstStyle/>
+          <a:p>
+            <a:r>
+              <a:rPr lang="en-US" dirty="0">
+                <a:highlight>
+                  <a:srgbClr val="FFFF00"/>
+                </a:highlight>
+              </a:rPr>
+              <a:t>Key Performance Indicators (KPIs) in data warehouse design help measure the effectiveness, efficiency, and overall success of the data warehouse in delivering valuable insights to an organization. Here are some important KPIs to consider:</a:t>
+            </a:r>
+          </a:p>
+          <a:p>
+            <a:r>
+              <a:rPr lang="en-US" b="1" dirty="0">
+                <a:highlight>
+                  <a:srgbClr val="00FF00"/>
+                </a:highlight>
+              </a:rPr>
+              <a:t>Data Load Time</a:t>
+            </a:r>
+            <a:r>
+              <a:rPr lang="en-US" dirty="0"/>
+              <a:t>: Measures how quickly data is extracted, transformed, and loaded (ETL) into the data warehouse.</a:t>
+            </a:r>
+          </a:p>
+          <a:p>
+            <a:r>
+              <a:rPr lang="en-US" b="1" dirty="0">
+                <a:highlight>
+                  <a:srgbClr val="00FF00"/>
+                </a:highlight>
+              </a:rPr>
+              <a:t>Query Performance</a:t>
+            </a:r>
+            <a:r>
+              <a:rPr lang="en-US" dirty="0"/>
+              <a:t>: Assesses how fast queries return results to users.</a:t>
+            </a:r>
+          </a:p>
+          <a:p>
+            <a:r>
+              <a:rPr lang="en-US" b="1" dirty="0">
+                <a:highlight>
+                  <a:srgbClr val="00FF00"/>
+                </a:highlight>
+              </a:rPr>
+              <a:t>Data Quality Metrics</a:t>
+            </a:r>
+            <a:r>
+              <a:rPr lang="en-US" dirty="0"/>
+              <a:t>: Tracks data accuracy, completeness, consistency, and timeliness.</a:t>
+            </a:r>
+          </a:p>
+          <a:p>
+            <a:r>
+              <a:rPr lang="en-US" b="1" dirty="0">
+                <a:highlight>
+                  <a:srgbClr val="00FF00"/>
+                </a:highlight>
+              </a:rPr>
+              <a:t>Storage Utilization</a:t>
+            </a:r>
+            <a:r>
+              <a:rPr lang="en-US" dirty="0"/>
+              <a:t>: Monitors how efficiently storage space is used.</a:t>
+            </a:r>
+          </a:p>
+          <a:p>
+            <a:r>
+              <a:rPr lang="en-US" b="1" dirty="0">
+                <a:highlight>
+                  <a:srgbClr val="00FF00"/>
+                </a:highlight>
+              </a:rPr>
+              <a:t>User Adoption Rate</a:t>
+            </a:r>
+            <a:r>
+              <a:rPr lang="en-US" dirty="0"/>
+              <a:t>: Evaluates how frequently business users leverage the data warehouse for decision-making.</a:t>
+            </a:r>
+          </a:p>
+          <a:p>
+            <a:r>
+              <a:rPr lang="en-US" b="1" dirty="0">
+                <a:highlight>
+                  <a:srgbClr val="00FF00"/>
+                </a:highlight>
+              </a:rPr>
+              <a:t>System Availability/Uptime</a:t>
+            </a:r>
+            <a:r>
+              <a:rPr lang="en-US" dirty="0"/>
+              <a:t>: Ensures the data warehouse has minimal downtime and remains accessible.</a:t>
+            </a:r>
+          </a:p>
+          <a:p>
+            <a:r>
+              <a:rPr lang="en-US" b="1" dirty="0">
+                <a:highlight>
+                  <a:srgbClr val="00FF00"/>
+                </a:highlight>
+              </a:rPr>
+              <a:t>Data Latency</a:t>
+            </a:r>
+            <a:r>
+              <a:rPr lang="en-US" dirty="0"/>
+              <a:t>: Measures the delay between data generation and its availability in reports.</a:t>
+            </a:r>
+          </a:p>
+        </p:txBody>
+      </p:sp>
+    </p:spTree>
+    <p:extLst>
+      <p:ext uri="{BB962C8B-B14F-4D97-AF65-F5344CB8AC3E}">
+        <p14:creationId xmlns:p14="http://schemas.microsoft.com/office/powerpoint/2010/main" val="9374103"/>
+      </p:ext>
+    </p:extLst>
+  </p:cSld>
+  <p:clrMapOvr>
+    <a:masterClrMapping/>
+  </p:clrMapOvr>
+  <p:timing>
+    <p:tnLst>
+      <p:par>
+        <p:cTn id="1" dur="indefinite" restart="never" nodeType="tmRoot">
+          <p:childTnLst>
+            <p:seq concurrent="1" nextAc="seek">
+              <p:cTn id="2" dur="indefinite" nodeType="mainSeq">
+                <p:childTnLst>
+                  <p:par>
+                    <p:cTn id="3" fill="hold">
+                      <p:stCondLst>
+                        <p:cond delay="indefinite"/>
+                      </p:stCondLst>
+                      <p:childTnLst>
+                        <p:par>
+                          <p:cTn id="4" fill="hold">
+                            <p:stCondLst>
+                              <p:cond delay="0"/>
+                            </p:stCondLst>
+                            <p:childTnLst>
+                              <p:par>
+                                <p:cTn id="5" presetID="1" presetClass="entr" presetSubtype="0" fill="hold" nodeType="clickEffect">
+                                  <p:stCondLst>
+                                    <p:cond delay="0"/>
+                                  </p:stCondLst>
+                                  <p:childTnLst>
+                                    <p:set>
+                                      <p:cBhvr>
+                                        <p:cTn id="6" dur="1" fill="hold">
+                                          <p:stCondLst>
+                                            <p:cond delay="0"/>
+                                          </p:stCondLst>
+                                        </p:cTn>
+                                        <p:tgtEl>
+                                          <p:spTgt spid="5">
+                                            <p:txEl>
+                                              <p:pRg st="0" end="0"/>
+                                            </p:txEl>
+                                          </p:spTgt>
+                                        </p:tgtEl>
+                                        <p:attrNameLst>
+                                          <p:attrName>style.visibility</p:attrName>
+                                        </p:attrNameLst>
+                                      </p:cBhvr>
+                                      <p:to>
+                                        <p:strVal val="visible"/>
+                                      </p:to>
+                                    </p:set>
+                                  </p:childTnLst>
+                                </p:cTn>
+                              </p:par>
+                            </p:childTnLst>
+                          </p:cTn>
+                        </p:par>
+                      </p:childTnLst>
+                    </p:cTn>
+                  </p:par>
+                  <p:par>
+                    <p:cTn id="7" fill="hold">
+                      <p:stCondLst>
+                        <p:cond delay="indefinite"/>
+                      </p:stCondLst>
+                      <p:childTnLst>
+                        <p:par>
+                          <p:cTn id="8" fill="hold">
+                            <p:stCondLst>
+                              <p:cond delay="0"/>
+                            </p:stCondLst>
+                            <p:childTnLst>
+                              <p:par>
+                                <p:cTn id="9" presetID="1" presetClass="entr" presetSubtype="0" fill="hold" nodeType="clickEffect">
+                                  <p:stCondLst>
+                                    <p:cond delay="0"/>
+                                  </p:stCondLst>
+                                  <p:childTnLst>
+                                    <p:set>
+                                      <p:cBhvr>
+                                        <p:cTn id="10" dur="1" fill="hold">
+                                          <p:stCondLst>
+                                            <p:cond delay="0"/>
+                                          </p:stCondLst>
+                                        </p:cTn>
+                                        <p:tgtEl>
+                                          <p:spTgt spid="5">
+                                            <p:txEl>
+                                              <p:pRg st="1" end="1"/>
+                                            </p:txEl>
+                                          </p:spTgt>
+                                        </p:tgtEl>
+                                        <p:attrNameLst>
+                                          <p:attrName>style.visibility</p:attrName>
+                                        </p:attrNameLst>
+                                      </p:cBhvr>
+                                      <p:to>
+                                        <p:strVal val="visible"/>
+                                      </p:to>
+                                    </p:set>
+                                  </p:childTnLst>
+                                </p:cTn>
+                              </p:par>
+                            </p:childTnLst>
+                          </p:cTn>
+                        </p:par>
+                      </p:childTnLst>
+                    </p:cTn>
+                  </p:par>
+                  <p:par>
+                    <p:cTn id="11" fill="hold">
+                      <p:stCondLst>
+                        <p:cond delay="indefinite"/>
+                      </p:stCondLst>
+                      <p:childTnLst>
+                        <p:par>
+                          <p:cTn id="12" fill="hold">
+                            <p:stCondLst>
+                              <p:cond delay="0"/>
+                            </p:stCondLst>
+                            <p:childTnLst>
+                              <p:par>
+                                <p:cTn id="13" presetID="1" presetClass="entr" presetSubtype="0" fill="hold" nodeType="clickEffect">
+                                  <p:stCondLst>
+                                    <p:cond delay="0"/>
+                                  </p:stCondLst>
+                                  <p:childTnLst>
+                                    <p:set>
+                                      <p:cBhvr>
+                                        <p:cTn id="14" dur="1" fill="hold">
+                                          <p:stCondLst>
+                                            <p:cond delay="0"/>
+                                          </p:stCondLst>
+                                        </p:cTn>
+                                        <p:tgtEl>
+                                          <p:spTgt spid="5">
+                                            <p:txEl>
+                                              <p:pRg st="2" end="2"/>
+                                            </p:txEl>
+                                          </p:spTgt>
+                                        </p:tgtEl>
+                                        <p:attrNameLst>
+                                          <p:attrName>style.visibility</p:attrName>
+                                        </p:attrNameLst>
+                                      </p:cBhvr>
+                                      <p:to>
+                                        <p:strVal val="visible"/>
+                                      </p:to>
+                                    </p:set>
+                                  </p:childTnLst>
+                                </p:cTn>
+                              </p:par>
+                            </p:childTnLst>
+                          </p:cTn>
+                        </p:par>
+                      </p:childTnLst>
+                    </p:cTn>
+                  </p:par>
+                  <p:par>
+                    <p:cTn id="15" fill="hold">
+                      <p:stCondLst>
+                        <p:cond delay="indefinite"/>
+                      </p:stCondLst>
+                      <p:childTnLst>
+                        <p:par>
+                          <p:cTn id="16" fill="hold">
+                            <p:stCondLst>
+                              <p:cond delay="0"/>
+                            </p:stCondLst>
+                            <p:childTnLst>
+                              <p:par>
+                                <p:cTn id="17" presetID="1" presetClass="entr" presetSubtype="0" fill="hold" nodeType="clickEffect">
+                                  <p:stCondLst>
+                                    <p:cond delay="0"/>
+                                  </p:stCondLst>
+                                  <p:childTnLst>
+                                    <p:set>
+                                      <p:cBhvr>
+                                        <p:cTn id="18" dur="1" fill="hold">
+                                          <p:stCondLst>
+                                            <p:cond delay="0"/>
+                                          </p:stCondLst>
+                                        </p:cTn>
+                                        <p:tgtEl>
+                                          <p:spTgt spid="5">
+                                            <p:txEl>
+                                              <p:pRg st="3" end="3"/>
+                                            </p:txEl>
+                                          </p:spTgt>
+                                        </p:tgtEl>
+                                        <p:attrNameLst>
+                                          <p:attrName>style.visibility</p:attrName>
+                                        </p:attrNameLst>
+                                      </p:cBhvr>
+                                      <p:to>
+                                        <p:strVal val="visible"/>
+                                      </p:to>
+                                    </p:set>
+                                  </p:childTnLst>
+                                </p:cTn>
+                              </p:par>
+                            </p:childTnLst>
+                          </p:cTn>
+                        </p:par>
+                      </p:childTnLst>
+                    </p:cTn>
+                  </p:par>
+                  <p:par>
+                    <p:cTn id="19" fill="hold">
+                      <p:stCondLst>
+                        <p:cond delay="indefinite"/>
+                      </p:stCondLst>
+                      <p:childTnLst>
+                        <p:par>
+                          <p:cTn id="20" fill="hold">
+                            <p:stCondLst>
+                              <p:cond delay="0"/>
+                            </p:stCondLst>
+                            <p:childTnLst>
+                              <p:par>
+                                <p:cTn id="21" presetID="1" presetClass="entr" presetSubtype="0" fill="hold" nodeType="clickEffect">
+                                  <p:stCondLst>
+                                    <p:cond delay="0"/>
+                                  </p:stCondLst>
+                                  <p:childTnLst>
+                                    <p:set>
+                                      <p:cBhvr>
+                                        <p:cTn id="22" dur="1" fill="hold">
+                                          <p:stCondLst>
+                                            <p:cond delay="0"/>
+                                          </p:stCondLst>
+                                        </p:cTn>
+                                        <p:tgtEl>
+                                          <p:spTgt spid="5">
+                                            <p:txEl>
+                                              <p:pRg st="4" end="4"/>
+                                            </p:txEl>
+                                          </p:spTgt>
+                                        </p:tgtEl>
+                                        <p:attrNameLst>
+                                          <p:attrName>style.visibility</p:attrName>
+                                        </p:attrNameLst>
+                                      </p:cBhvr>
+                                      <p:to>
+                                        <p:strVal val="visible"/>
+                                      </p:to>
+                                    </p:set>
+                                  </p:childTnLst>
+                                </p:cTn>
+                              </p:par>
+                            </p:childTnLst>
+                          </p:cTn>
+                        </p:par>
+                      </p:childTnLst>
+                    </p:cTn>
+                  </p:par>
+                  <p:par>
+                    <p:cTn id="23" fill="hold">
+                      <p:stCondLst>
+                        <p:cond delay="indefinite"/>
+                      </p:stCondLst>
+                      <p:childTnLst>
+                        <p:par>
+                          <p:cTn id="24" fill="hold">
+                            <p:stCondLst>
+                              <p:cond delay="0"/>
+                            </p:stCondLst>
+                            <p:childTnLst>
+                              <p:par>
+                                <p:cTn id="25" presetID="1" presetClass="entr" presetSubtype="0" fill="hold" nodeType="clickEffect">
+                                  <p:stCondLst>
+                                    <p:cond delay="0"/>
+                                  </p:stCondLst>
+                                  <p:childTnLst>
+                                    <p:set>
+                                      <p:cBhvr>
+                                        <p:cTn id="26" dur="1" fill="hold">
+                                          <p:stCondLst>
+                                            <p:cond delay="0"/>
+                                          </p:stCondLst>
+                                        </p:cTn>
+                                        <p:tgtEl>
+                                          <p:spTgt spid="5">
+                                            <p:txEl>
+                                              <p:pRg st="5" end="5"/>
+                                            </p:txEl>
+                                          </p:spTgt>
+                                        </p:tgtEl>
+                                        <p:attrNameLst>
+                                          <p:attrName>style.visibility</p:attrName>
+                                        </p:attrNameLst>
+                                      </p:cBhvr>
+                                      <p:to>
+                                        <p:strVal val="visible"/>
+                                      </p:to>
+                                    </p:set>
+                                  </p:childTnLst>
+                                </p:cTn>
+                              </p:par>
+                            </p:childTnLst>
+                          </p:cTn>
+                        </p:par>
+                      </p:childTnLst>
+                    </p:cTn>
+                  </p:par>
+                  <p:par>
+                    <p:cTn id="27" fill="hold">
+                      <p:stCondLst>
+                        <p:cond delay="indefinite"/>
+                      </p:stCondLst>
+                      <p:childTnLst>
+                        <p:par>
+                          <p:cTn id="28" fill="hold">
+                            <p:stCondLst>
+                              <p:cond delay="0"/>
+                            </p:stCondLst>
+                            <p:childTnLst>
+                              <p:par>
+                                <p:cTn id="29" presetID="1" presetClass="entr" presetSubtype="0" fill="hold" nodeType="clickEffect">
+                                  <p:stCondLst>
+                                    <p:cond delay="0"/>
+                                  </p:stCondLst>
+                                  <p:childTnLst>
+                                    <p:set>
+                                      <p:cBhvr>
+                                        <p:cTn id="30" dur="1" fill="hold">
+                                          <p:stCondLst>
+                                            <p:cond delay="0"/>
+                                          </p:stCondLst>
+                                        </p:cTn>
+                                        <p:tgtEl>
+                                          <p:spTgt spid="5">
+                                            <p:txEl>
+                                              <p:pRg st="6" end="6"/>
+                                            </p:txEl>
+                                          </p:spTgt>
+                                        </p:tgtEl>
+                                        <p:attrNameLst>
+                                          <p:attrName>style.visibility</p:attrName>
+                                        </p:attrNameLst>
+                                      </p:cBhvr>
+                                      <p:to>
+                                        <p:strVal val="visible"/>
+                                      </p:to>
+                                    </p:set>
+                                  </p:childTnLst>
+                                </p:cTn>
+                              </p:par>
+                            </p:childTnLst>
+                          </p:cTn>
+                        </p:par>
+                      </p:childTnLst>
+                    </p:cTn>
+                  </p:par>
+                  <p:par>
+                    <p:cTn id="31" fill="hold">
+                      <p:stCondLst>
+                        <p:cond delay="indefinite"/>
+                      </p:stCondLst>
+                      <p:childTnLst>
+                        <p:par>
+                          <p:cTn id="32" fill="hold">
+                            <p:stCondLst>
+                              <p:cond delay="0"/>
+                            </p:stCondLst>
+                            <p:childTnLst>
+                              <p:par>
+                                <p:cTn id="33" presetID="1" presetClass="entr" presetSubtype="0" fill="hold" nodeType="clickEffect">
+                                  <p:stCondLst>
+                                    <p:cond delay="0"/>
+                                  </p:stCondLst>
+                                  <p:childTnLst>
+                                    <p:set>
+                                      <p:cBhvr>
+                                        <p:cTn id="34" dur="1" fill="hold">
+                                          <p:stCondLst>
+                                            <p:cond delay="0"/>
+                                          </p:stCondLst>
+                                        </p:cTn>
+                                        <p:tgtEl>
+                                          <p:spTgt spid="5">
+                                            <p:txEl>
+                                              <p:pRg st="7" end="7"/>
+                                            </p:txEl>
+                                          </p:spTgt>
+                                        </p:tgtEl>
+                                        <p:attrNameLst>
+                                          <p:attrName>style.visibility</p:attrName>
+                                        </p:attrNameLst>
+                                      </p:cBhvr>
+                                      <p:to>
+                                        <p:strVal val="visible"/>
+                                      </p:to>
+                                    </p:set>
+                                  </p:childTnLst>
+                                </p:cTn>
+                              </p:par>
+                            </p:childTnLst>
+                          </p:cTn>
+                        </p:par>
+                      </p:childTnLst>
+                    </p:cTn>
+                  </p:par>
+                </p:childTnLst>
+              </p:cTn>
+              <p:prevCondLst>
+                <p:cond evt="onPrev" delay="0">
+                  <p:tgtEl>
+                    <p:sldTgt/>
+                  </p:tgtEl>
+                </p:cond>
+              </p:prevCondLst>
+              <p:nextCondLst>
+                <p:cond evt="onNext" delay="0">
+                  <p:tgtEl>
+                    <p:sldTgt/>
+                  </p:tgtEl>
+                </p:cond>
+              </p:nextCondLst>
+            </p:seq>
+          </p:childTnLst>
+        </p:cTn>
+      </p:par>
+    </p:tnLst>
+  </p:timing>
+</p:sld>
+</file>
+
+<file path=ppt/slides/slide8.xml><?xml version="1.0" encoding="utf-8"?>
+<p:sld xmlns:a="http://schemas.openxmlformats.org/drawingml/2006/main" xmlns:r="http://schemas.openxmlformats.org/officeDocument/2006/relationships" xmlns:p="http://schemas.openxmlformats.org/presentationml/2006/main">
+  <p:cSld>
+    <p:spTree>
+      <p:nvGrpSpPr>
+        <p:cNvPr id="1" name="">
+          <a:extLst>
+            <a:ext uri="{FF2B5EF4-FFF2-40B4-BE49-F238E27FC236}">
+              <a16:creationId xmlns:a16="http://schemas.microsoft.com/office/drawing/2014/main" id="{B0F7A4DA-5791-9A42-7A44-91384BD66A85}"/>
+            </a:ext>
+          </a:extLst>
+        </p:cNvPr>
+        <p:cNvGrpSpPr/>
+        <p:nvPr/>
+      </p:nvGrpSpPr>
+      <p:grpSpPr>
+        <a:xfrm>
+          <a:off x="0" y="0"/>
+          <a:ext cx="0" cy="0"/>
+          <a:chOff x="0" y="0"/>
+          <a:chExt cx="0" cy="0"/>
+        </a:xfrm>
+      </p:grpSpPr>
+      <p:sp>
+        <p:nvSpPr>
+          <p:cNvPr id="4" name="Title 3">
+            <a:extLst>
+              <a:ext uri="{FF2B5EF4-FFF2-40B4-BE49-F238E27FC236}">
+                <a16:creationId xmlns:a16="http://schemas.microsoft.com/office/drawing/2014/main" id="{29B7BBB8-F72A-A0A5-2F85-726014267843}"/>
+              </a:ext>
+            </a:extLst>
+          </p:cNvPr>
+          <p:cNvSpPr>
+            <a:spLocks noGrp="1"/>
+          </p:cNvSpPr>
+          <p:nvPr>
+            <p:ph type="title"/>
+          </p:nvPr>
+        </p:nvSpPr>
+        <p:spPr/>
+        <p:txBody>
+          <a:bodyPr>
+            <a:noAutofit/>
+          </a:bodyPr>
+          <a:lstStyle/>
+          <a:p>
+            <a:r>
+              <a:rPr lang="en-US" sz="2000" b="1" i="0" dirty="0">
+                <a:effectLst/>
+                <a:latin typeface="-apple-system"/>
+              </a:rPr>
+              <a:t>1. Identify the business requirements</a:t>
+            </a:r>
+            <a:br>
+              <a:rPr lang="en-US" sz="2000" b="1" i="0" dirty="0">
+                <a:effectLst/>
+                <a:latin typeface="-apple-system"/>
+              </a:rPr>
+            </a:br>
+            <a:r>
+              <a:rPr lang="en-US" sz="2000" b="1" i="0" dirty="0">
+                <a:effectLst/>
+                <a:latin typeface="-apple-system"/>
+              </a:rPr>
+              <a:t>EXAMPLE: </a:t>
+            </a:r>
+            <a:r>
+              <a:rPr lang="en-US" sz="2000" dirty="0">
+                <a:highlight>
+                  <a:srgbClr val="00FF00"/>
+                </a:highlight>
+              </a:rPr>
+              <a:t>the key performance indicators </a:t>
+            </a:r>
+            <a:r>
+              <a:rPr lang="en-US" sz="2000" dirty="0"/>
+              <a:t>(KPIs)</a:t>
+            </a:r>
+            <a:endParaRPr lang="en-US" sz="2000" b="1" i="0" dirty="0">
+              <a:effectLst/>
+              <a:latin typeface="-apple-system"/>
+            </a:endParaRPr>
+          </a:p>
+        </p:txBody>
+      </p:sp>
+      <p:sp>
+        <p:nvSpPr>
+          <p:cNvPr id="5" name="Content Placeholder 4">
+            <a:extLst>
+              <a:ext uri="{FF2B5EF4-FFF2-40B4-BE49-F238E27FC236}">
+                <a16:creationId xmlns:a16="http://schemas.microsoft.com/office/drawing/2014/main" id="{1B562B30-4508-9654-1675-BC2252EC9BA9}"/>
+              </a:ext>
+            </a:extLst>
+          </p:cNvPr>
+          <p:cNvSpPr>
+            <a:spLocks noGrp="1"/>
+          </p:cNvSpPr>
+          <p:nvPr>
+            <p:ph idx="1"/>
+          </p:nvPr>
+        </p:nvSpPr>
+        <p:spPr>
+          <a:xfrm>
+            <a:off x="628650" y="1026695"/>
+            <a:ext cx="7886700" cy="3606028"/>
+          </a:xfrm>
+        </p:spPr>
+        <p:txBody>
+          <a:bodyPr>
+            <a:normAutofit/>
+          </a:bodyPr>
+          <a:lstStyle/>
+          <a:p>
+            <a:r>
+              <a:rPr lang="en-US" dirty="0"/>
+              <a:t>Imagine a </a:t>
+            </a:r>
+            <a:r>
+              <a:rPr lang="en-US" dirty="0">
+                <a:highlight>
+                  <a:srgbClr val="FFFF00"/>
+                </a:highlight>
+              </a:rPr>
+              <a:t>retail company </a:t>
+            </a:r>
+            <a:r>
+              <a:rPr lang="en-US" dirty="0"/>
+              <a:t>using a data warehouse to track sales performance. </a:t>
+            </a:r>
+          </a:p>
+          <a:p>
+            <a:r>
+              <a:rPr lang="en-US" dirty="0"/>
+              <a:t>One KPI they could implement is</a:t>
+            </a:r>
+          </a:p>
+          <a:p>
+            <a:pPr marL="0" indent="0">
+              <a:buNone/>
+            </a:pPr>
+            <a:r>
+              <a:rPr lang="en-US" dirty="0"/>
+              <a:t>        </a:t>
+            </a:r>
+            <a:r>
+              <a:rPr lang="en-US" b="1" dirty="0">
+                <a:highlight>
+                  <a:srgbClr val="00FF00"/>
+                </a:highlight>
+              </a:rPr>
+              <a:t>"Query Performance: Average Query Response Time."</a:t>
+            </a:r>
+            <a:r>
+              <a:rPr lang="en-US" dirty="0">
+                <a:highlight>
+                  <a:srgbClr val="00FF00"/>
+                </a:highlight>
+              </a:rPr>
+              <a:t> </a:t>
+            </a:r>
+          </a:p>
+          <a:p>
+            <a:r>
+              <a:rPr lang="en-US" dirty="0"/>
+              <a:t>If their reports on daily sales trends take more than 5 seconds to execute, they might optimize indexing or restructure queries to improve efficiency..</a:t>
+            </a:r>
+          </a:p>
+        </p:txBody>
+      </p:sp>
+    </p:spTree>
+    <p:extLst>
+      <p:ext uri="{BB962C8B-B14F-4D97-AF65-F5344CB8AC3E}">
+        <p14:creationId xmlns:p14="http://schemas.microsoft.com/office/powerpoint/2010/main" val="2487981996"/>
+      </p:ext>
+    </p:extLst>
+  </p:cSld>
+  <p:clrMapOvr>
+    <a:masterClrMapping/>
+  </p:clrMapOvr>
+  <p:timing>
+    <p:tnLst>
+      <p:par>
+        <p:cTn id="1" dur="indefinite" restart="never" nodeType="tmRoot">
+          <p:childTnLst>
+            <p:seq concurrent="1" nextAc="seek">
+              <p:cTn id="2" dur="indefinite" nodeType="mainSeq">
+                <p:childTnLst>
+                  <p:par>
+                    <p:cTn id="3" fill="hold">
+                      <p:stCondLst>
+                        <p:cond delay="indefinite"/>
+                      </p:stCondLst>
+                      <p:childTnLst>
+                        <p:par>
+                          <p:cTn id="4" fill="hold">
+                            <p:stCondLst>
+                              <p:cond delay="0"/>
+                            </p:stCondLst>
+                            <p:childTnLst>
+                              <p:par>
+                                <p:cTn id="5" presetID="1" presetClass="entr" presetSubtype="0" fill="hold" nodeType="clickEffect">
+                                  <p:stCondLst>
+                                    <p:cond delay="0"/>
+                                  </p:stCondLst>
+                                  <p:childTnLst>
+                                    <p:set>
+                                      <p:cBhvr>
+                                        <p:cTn id="6" dur="1" fill="hold">
+                                          <p:stCondLst>
+                                            <p:cond delay="0"/>
+                                          </p:stCondLst>
+                                        </p:cTn>
+                                        <p:tgtEl>
+                                          <p:spTgt spid="5">
+                                            <p:txEl>
+                                              <p:pRg st="0" end="0"/>
+                                            </p:txEl>
+                                          </p:spTgt>
+                                        </p:tgtEl>
+                                        <p:attrNameLst>
+                                          <p:attrName>style.visibility</p:attrName>
+                                        </p:attrNameLst>
+                                      </p:cBhvr>
+                                      <p:to>
+                                        <p:strVal val="visible"/>
+                                      </p:to>
+                                    </p:set>
+                                  </p:childTnLst>
+                                </p:cTn>
+                              </p:par>
+                            </p:childTnLst>
+                          </p:cTn>
+                        </p:par>
+                      </p:childTnLst>
+                    </p:cTn>
+                  </p:par>
+                  <p:par>
+                    <p:cTn id="7" fill="hold">
+                      <p:stCondLst>
+                        <p:cond delay="indefinite"/>
+                      </p:stCondLst>
+                      <p:childTnLst>
+                        <p:par>
+                          <p:cTn id="8" fill="hold">
+                            <p:stCondLst>
+                              <p:cond delay="0"/>
+                            </p:stCondLst>
+                            <p:childTnLst>
+                              <p:par>
+                                <p:cTn id="9" presetID="1" presetClass="entr" presetSubtype="0" fill="hold" nodeType="clickEffect">
+                                  <p:stCondLst>
+                                    <p:cond delay="0"/>
+                                  </p:stCondLst>
+                                  <p:childTnLst>
+                                    <p:set>
+                                      <p:cBhvr>
+                                        <p:cTn id="10" dur="1" fill="hold">
+                                          <p:stCondLst>
+                                            <p:cond delay="0"/>
+                                          </p:stCondLst>
+                                        </p:cTn>
+                                        <p:tgtEl>
+                                          <p:spTgt spid="5">
+                                            <p:txEl>
+                                              <p:pRg st="1" end="1"/>
+                                            </p:txEl>
+                                          </p:spTgt>
+                                        </p:tgtEl>
+                                        <p:attrNameLst>
+                                          <p:attrName>style.visibility</p:attrName>
+                                        </p:attrNameLst>
+                                      </p:cBhvr>
+                                      <p:to>
+                                        <p:strVal val="visible"/>
+                                      </p:to>
+                                    </p:set>
+                                  </p:childTnLst>
+                                </p:cTn>
+                              </p:par>
+                            </p:childTnLst>
+                          </p:cTn>
+                        </p:par>
+                      </p:childTnLst>
+                    </p:cTn>
+                  </p:par>
+                  <p:par>
+                    <p:cTn id="11" fill="hold">
+                      <p:stCondLst>
+                        <p:cond delay="indefinite"/>
+                      </p:stCondLst>
+                      <p:childTnLst>
+                        <p:par>
+                          <p:cTn id="12" fill="hold">
+                            <p:stCondLst>
+                              <p:cond delay="0"/>
+                            </p:stCondLst>
+                            <p:childTnLst>
+                              <p:par>
+                                <p:cTn id="13" presetID="1" presetClass="entr" presetSubtype="0" fill="hold" nodeType="clickEffect">
+                                  <p:stCondLst>
+                                    <p:cond delay="0"/>
+                                  </p:stCondLst>
+                                  <p:childTnLst>
+                                    <p:set>
+                                      <p:cBhvr>
+                                        <p:cTn id="14" dur="1" fill="hold">
+                                          <p:stCondLst>
+                                            <p:cond delay="0"/>
+                                          </p:stCondLst>
+                                        </p:cTn>
+                                        <p:tgtEl>
+                                          <p:spTgt spid="5">
+                                            <p:txEl>
+                                              <p:pRg st="2" end="2"/>
+                                            </p:txEl>
+                                          </p:spTgt>
+                                        </p:tgtEl>
+                                        <p:attrNameLst>
+                                          <p:attrName>style.visibility</p:attrName>
+                                        </p:attrNameLst>
+                                      </p:cBhvr>
+                                      <p:to>
+                                        <p:strVal val="visible"/>
+                                      </p:to>
+                                    </p:set>
+                                  </p:childTnLst>
+                                </p:cTn>
+                              </p:par>
+                            </p:childTnLst>
+                          </p:cTn>
+                        </p:par>
+                      </p:childTnLst>
+                    </p:cTn>
+                  </p:par>
+                  <p:par>
+                    <p:cTn id="15" fill="hold">
+                      <p:stCondLst>
+                        <p:cond delay="indefinite"/>
+                      </p:stCondLst>
+                      <p:childTnLst>
+                        <p:par>
+                          <p:cTn id="16" fill="hold">
+                            <p:stCondLst>
+                              <p:cond delay="0"/>
+                            </p:stCondLst>
+                            <p:childTnLst>
+                              <p:par>
+                                <p:cTn id="17" presetID="1" presetClass="entr" presetSubtype="0" fill="hold" nodeType="clickEffect">
+                                  <p:stCondLst>
+                                    <p:cond delay="0"/>
+                                  </p:stCondLst>
+                                  <p:childTnLst>
+                                    <p:set>
+                                      <p:cBhvr>
+                                        <p:cTn id="18" dur="1" fill="hold">
+                                          <p:stCondLst>
+                                            <p:cond delay="0"/>
+                                          </p:stCondLst>
+                                        </p:cTn>
+                                        <p:tgtEl>
+                                          <p:spTgt spid="5">
+                                            <p:txEl>
+                                              <p:pRg st="3" end="3"/>
+                                            </p:txEl>
+                                          </p:spTgt>
+                                        </p:tgtEl>
+                                        <p:attrNameLst>
+                                          <p:attrName>style.visibility</p:attrName>
+                                        </p:attrNameLst>
+                                      </p:cBhvr>
+                                      <p:to>
+                                        <p:strVal val="visible"/>
+                                      </p:to>
+                                    </p:set>
+                                  </p:childTnLst>
+                                </p:cTn>
+                              </p:par>
+                            </p:childTnLst>
+                          </p:cTn>
+                        </p:par>
+                      </p:childTnLst>
+                    </p:cTn>
+                  </p:par>
+                </p:childTnLst>
+              </p:cTn>
+              <p:prevCondLst>
+                <p:cond evt="onPrev" delay="0">
+                  <p:tgtEl>
+                    <p:sldTgt/>
+                  </p:tgtEl>
+                </p:cond>
+              </p:prevCondLst>
+              <p:nextCondLst>
+                <p:cond evt="onNext" delay="0">
+                  <p:tgtEl>
+                    <p:sldTgt/>
+                  </p:tgtEl>
+                </p:cond>
+              </p:nextCondLst>
+            </p:seq>
+          </p:childTnLst>
+        </p:cTn>
+      </p:par>
+    </p:tnLst>
+  </p:timing>
+</p:sld>
+</file>
+
+<file path=ppt/slides/slide9.xml><?xml version="1.0" encoding="utf-8"?>
+<p:sld xmlns:a="http://schemas.openxmlformats.org/drawingml/2006/main" xmlns:r="http://schemas.openxmlformats.org/officeDocument/2006/relationships" xmlns:p="http://schemas.openxmlformats.org/presentationml/2006/main">
+  <p:cSld>
+    <p:spTree>
+      <p:nvGrpSpPr>
+        <p:cNvPr id="1" name="">
+          <a:extLst>
+            <a:ext uri="{FF2B5EF4-FFF2-40B4-BE49-F238E27FC236}">
               <a16:creationId xmlns:a16="http://schemas.microsoft.com/office/drawing/2014/main" id="{7CDE8D2A-73C4-1ACE-F630-87314A0B45B3}"/>
             </a:ext>
           </a:extLst>
@@ -11976,715 +13760,6 @@
 </p:sld>
 </file>
 
-<file path=ppt/slides/slide8.xml><?xml version="1.0" encoding="utf-8"?>
-<p:sld xmlns:a="http://schemas.openxmlformats.org/drawingml/2006/main" xmlns:r="http://schemas.openxmlformats.org/officeDocument/2006/relationships" xmlns:p="http://schemas.openxmlformats.org/presentationml/2006/main">
-  <p:cSld>
-    <p:spTree>
-      <p:nvGrpSpPr>
-        <p:cNvPr id="1" name=""/>
-        <p:cNvGrpSpPr/>
-        <p:nvPr/>
-      </p:nvGrpSpPr>
-      <p:grpSpPr>
-        <a:xfrm>
-          <a:off x="0" y="0"/>
-          <a:ext cx="0" cy="0"/>
-          <a:chOff x="0" y="0"/>
-          <a:chExt cx="0" cy="0"/>
-        </a:xfrm>
-      </p:grpSpPr>
-      <p:sp>
-        <p:nvSpPr>
-          <p:cNvPr id="4" name="Title 3">
-            <a:extLst>
-              <a:ext uri="{FF2B5EF4-FFF2-40B4-BE49-F238E27FC236}">
-                <a16:creationId xmlns:a16="http://schemas.microsoft.com/office/drawing/2014/main" id="{DCCC8AEE-1310-634E-9023-7929C03FECFD}"/>
-              </a:ext>
-            </a:extLst>
-          </p:cNvPr>
-          <p:cNvSpPr>
-            <a:spLocks noGrp="1"/>
-          </p:cNvSpPr>
-          <p:nvPr>
-            <p:ph type="title"/>
-          </p:nvPr>
-        </p:nvSpPr>
-        <p:spPr/>
-        <p:txBody>
-          <a:bodyPr>
-            <a:normAutofit/>
-          </a:bodyPr>
-          <a:lstStyle/>
-          <a:p>
-            <a:r>
-              <a:rPr lang="en-US" dirty="0"/>
-              <a:t>2. Define the FACT Table</a:t>
-            </a:r>
-          </a:p>
-        </p:txBody>
-      </p:sp>
-      <p:sp>
-        <p:nvSpPr>
-          <p:cNvPr id="5" name="Content Placeholder 4">
-            <a:extLst>
-              <a:ext uri="{FF2B5EF4-FFF2-40B4-BE49-F238E27FC236}">
-                <a16:creationId xmlns:a16="http://schemas.microsoft.com/office/drawing/2014/main" id="{C4FE1F5A-47C9-D047-9202-796ADD8B3DB3}"/>
-              </a:ext>
-            </a:extLst>
-          </p:cNvPr>
-          <p:cNvSpPr>
-            <a:spLocks noGrp="1"/>
-          </p:cNvSpPr>
-          <p:nvPr>
-            <p:ph idx="1"/>
-          </p:nvPr>
-        </p:nvSpPr>
-        <p:spPr>
-          <a:xfrm>
-            <a:off x="628650" y="1026695"/>
-            <a:ext cx="7886700" cy="3606028"/>
-          </a:xfrm>
-        </p:spPr>
-        <p:txBody>
-          <a:bodyPr>
-            <a:noAutofit/>
-          </a:bodyPr>
-          <a:lstStyle/>
-          <a:p>
-            <a:r>
-              <a:rPr lang="en-US" sz="2200" dirty="0"/>
-              <a:t>The next step is to define the </a:t>
-            </a:r>
-            <a:r>
-              <a:rPr lang="en-US" sz="2200" dirty="0">
-                <a:highlight>
-                  <a:srgbClr val="00FFFF"/>
-                </a:highlight>
-              </a:rPr>
-              <a:t>fact table</a:t>
-            </a:r>
-            <a:r>
-              <a:rPr lang="en-US" sz="2200" dirty="0"/>
-              <a:t>, which is the </a:t>
-            </a:r>
-            <a:r>
-              <a:rPr lang="en-US" sz="2200" dirty="0">
-                <a:highlight>
-                  <a:srgbClr val="00FFFF"/>
-                </a:highlight>
-              </a:rPr>
-              <a:t>core of the star schema. </a:t>
-            </a:r>
-          </a:p>
-          <a:p>
-            <a:r>
-              <a:rPr lang="en-US" sz="2200" dirty="0"/>
-              <a:t>The fact table should contain the </a:t>
-            </a:r>
-            <a:r>
-              <a:rPr lang="en-US" sz="2200" b="1" dirty="0">
-                <a:highlight>
-                  <a:srgbClr val="00FF00"/>
-                </a:highlight>
-              </a:rPr>
-              <a:t>numeric measures </a:t>
-            </a:r>
-            <a:r>
-              <a:rPr lang="en-US" sz="2200" dirty="0"/>
-              <a:t>that are relevant to the business requirements, </a:t>
-            </a:r>
-            <a:r>
-              <a:rPr lang="en-US" sz="2200" dirty="0">
-                <a:highlight>
-                  <a:srgbClr val="FFFF00"/>
-                </a:highlight>
-              </a:rPr>
-              <a:t>such as sales, revenue, profit, or customer satisfaction</a:t>
-            </a:r>
-            <a:r>
-              <a:rPr lang="en-US" sz="2200" dirty="0"/>
-              <a:t>. </a:t>
-            </a:r>
-          </a:p>
-          <a:p>
-            <a:r>
-              <a:rPr lang="en-US" sz="2200" dirty="0"/>
-              <a:t>The fact table should also have foreign keys that link to the dimension tables, which provide the </a:t>
-            </a:r>
-            <a:r>
-              <a:rPr lang="en-US" sz="2200" dirty="0">
-                <a:highlight>
-                  <a:srgbClr val="FFFF00"/>
-                </a:highlight>
-              </a:rPr>
-              <a:t>context for the measures</a:t>
-            </a:r>
-            <a:r>
-              <a:rPr lang="en-US" sz="2200" dirty="0"/>
-              <a:t>. </a:t>
-            </a:r>
-          </a:p>
-          <a:p>
-            <a:r>
-              <a:rPr lang="en-US" sz="2200" dirty="0"/>
-              <a:t>The fact table should have a high level of granularity, meaning that it should store the most detailed and atomic data possible.</a:t>
-            </a:r>
-          </a:p>
-        </p:txBody>
-      </p:sp>
-    </p:spTree>
-    <p:extLst>
-      <p:ext uri="{BB962C8B-B14F-4D97-AF65-F5344CB8AC3E}">
-        <p14:creationId xmlns:p14="http://schemas.microsoft.com/office/powerpoint/2010/main" val="1807891547"/>
-      </p:ext>
-    </p:extLst>
-  </p:cSld>
-  <p:clrMapOvr>
-    <a:masterClrMapping/>
-  </p:clrMapOvr>
-  <p:timing>
-    <p:tnLst>
-      <p:par>
-        <p:cTn id="1" dur="indefinite" restart="never" nodeType="tmRoot">
-          <p:childTnLst>
-            <p:seq concurrent="1" nextAc="seek">
-              <p:cTn id="2" dur="indefinite" nodeType="mainSeq">
-                <p:childTnLst>
-                  <p:par>
-                    <p:cTn id="3" fill="hold">
-                      <p:stCondLst>
-                        <p:cond delay="indefinite"/>
-                      </p:stCondLst>
-                      <p:childTnLst>
-                        <p:par>
-                          <p:cTn id="4" fill="hold">
-                            <p:stCondLst>
-                              <p:cond delay="0"/>
-                            </p:stCondLst>
-                            <p:childTnLst>
-                              <p:par>
-                                <p:cTn id="5" presetID="1" presetClass="entr" presetSubtype="0" fill="hold" nodeType="clickEffect">
-                                  <p:stCondLst>
-                                    <p:cond delay="0"/>
-                                  </p:stCondLst>
-                                  <p:childTnLst>
-                                    <p:set>
-                                      <p:cBhvr>
-                                        <p:cTn id="6" dur="1" fill="hold">
-                                          <p:stCondLst>
-                                            <p:cond delay="0"/>
-                                          </p:stCondLst>
-                                        </p:cTn>
-                                        <p:tgtEl>
-                                          <p:spTgt spid="5">
-                                            <p:txEl>
-                                              <p:pRg st="0" end="0"/>
-                                            </p:txEl>
-                                          </p:spTgt>
-                                        </p:tgtEl>
-                                        <p:attrNameLst>
-                                          <p:attrName>style.visibility</p:attrName>
-                                        </p:attrNameLst>
-                                      </p:cBhvr>
-                                      <p:to>
-                                        <p:strVal val="visible"/>
-                                      </p:to>
-                                    </p:set>
-                                  </p:childTnLst>
-                                </p:cTn>
-                              </p:par>
-                            </p:childTnLst>
-                          </p:cTn>
-                        </p:par>
-                      </p:childTnLst>
-                    </p:cTn>
-                  </p:par>
-                  <p:par>
-                    <p:cTn id="7" fill="hold">
-                      <p:stCondLst>
-                        <p:cond delay="indefinite"/>
-                      </p:stCondLst>
-                      <p:childTnLst>
-                        <p:par>
-                          <p:cTn id="8" fill="hold">
-                            <p:stCondLst>
-                              <p:cond delay="0"/>
-                            </p:stCondLst>
-                            <p:childTnLst>
-                              <p:par>
-                                <p:cTn id="9" presetID="1" presetClass="entr" presetSubtype="0" fill="hold" nodeType="clickEffect">
-                                  <p:stCondLst>
-                                    <p:cond delay="0"/>
-                                  </p:stCondLst>
-                                  <p:childTnLst>
-                                    <p:set>
-                                      <p:cBhvr>
-                                        <p:cTn id="10" dur="1" fill="hold">
-                                          <p:stCondLst>
-                                            <p:cond delay="0"/>
-                                          </p:stCondLst>
-                                        </p:cTn>
-                                        <p:tgtEl>
-                                          <p:spTgt spid="5">
-                                            <p:txEl>
-                                              <p:pRg st="1" end="1"/>
-                                            </p:txEl>
-                                          </p:spTgt>
-                                        </p:tgtEl>
-                                        <p:attrNameLst>
-                                          <p:attrName>style.visibility</p:attrName>
-                                        </p:attrNameLst>
-                                      </p:cBhvr>
-                                      <p:to>
-                                        <p:strVal val="visible"/>
-                                      </p:to>
-                                    </p:set>
-                                  </p:childTnLst>
-                                </p:cTn>
-                              </p:par>
-                            </p:childTnLst>
-                          </p:cTn>
-                        </p:par>
-                      </p:childTnLst>
-                    </p:cTn>
-                  </p:par>
-                  <p:par>
-                    <p:cTn id="11" fill="hold">
-                      <p:stCondLst>
-                        <p:cond delay="indefinite"/>
-                      </p:stCondLst>
-                      <p:childTnLst>
-                        <p:par>
-                          <p:cTn id="12" fill="hold">
-                            <p:stCondLst>
-                              <p:cond delay="0"/>
-                            </p:stCondLst>
-                            <p:childTnLst>
-                              <p:par>
-                                <p:cTn id="13" presetID="1" presetClass="entr" presetSubtype="0" fill="hold" nodeType="clickEffect">
-                                  <p:stCondLst>
-                                    <p:cond delay="0"/>
-                                  </p:stCondLst>
-                                  <p:childTnLst>
-                                    <p:set>
-                                      <p:cBhvr>
-                                        <p:cTn id="14" dur="1" fill="hold">
-                                          <p:stCondLst>
-                                            <p:cond delay="0"/>
-                                          </p:stCondLst>
-                                        </p:cTn>
-                                        <p:tgtEl>
-                                          <p:spTgt spid="5">
-                                            <p:txEl>
-                                              <p:pRg st="2" end="2"/>
-                                            </p:txEl>
-                                          </p:spTgt>
-                                        </p:tgtEl>
-                                        <p:attrNameLst>
-                                          <p:attrName>style.visibility</p:attrName>
-                                        </p:attrNameLst>
-                                      </p:cBhvr>
-                                      <p:to>
-                                        <p:strVal val="visible"/>
-                                      </p:to>
-                                    </p:set>
-                                  </p:childTnLst>
-                                </p:cTn>
-                              </p:par>
-                            </p:childTnLst>
-                          </p:cTn>
-                        </p:par>
-                      </p:childTnLst>
-                    </p:cTn>
-                  </p:par>
-                  <p:par>
-                    <p:cTn id="15" fill="hold">
-                      <p:stCondLst>
-                        <p:cond delay="indefinite"/>
-                      </p:stCondLst>
-                      <p:childTnLst>
-                        <p:par>
-                          <p:cTn id="16" fill="hold">
-                            <p:stCondLst>
-                              <p:cond delay="0"/>
-                            </p:stCondLst>
-                            <p:childTnLst>
-                              <p:par>
-                                <p:cTn id="17" presetID="1" presetClass="entr" presetSubtype="0" fill="hold" nodeType="clickEffect">
-                                  <p:stCondLst>
-                                    <p:cond delay="0"/>
-                                  </p:stCondLst>
-                                  <p:childTnLst>
-                                    <p:set>
-                                      <p:cBhvr>
-                                        <p:cTn id="18" dur="1" fill="hold">
-                                          <p:stCondLst>
-                                            <p:cond delay="0"/>
-                                          </p:stCondLst>
-                                        </p:cTn>
-                                        <p:tgtEl>
-                                          <p:spTgt spid="5">
-                                            <p:txEl>
-                                              <p:pRg st="3" end="3"/>
-                                            </p:txEl>
-                                          </p:spTgt>
-                                        </p:tgtEl>
-                                        <p:attrNameLst>
-                                          <p:attrName>style.visibility</p:attrName>
-                                        </p:attrNameLst>
-                                      </p:cBhvr>
-                                      <p:to>
-                                        <p:strVal val="visible"/>
-                                      </p:to>
-                                    </p:set>
-                                  </p:childTnLst>
-                                </p:cTn>
-                              </p:par>
-                            </p:childTnLst>
-                          </p:cTn>
-                        </p:par>
-                      </p:childTnLst>
-                    </p:cTn>
-                  </p:par>
-                </p:childTnLst>
-              </p:cTn>
-              <p:prevCondLst>
-                <p:cond evt="onPrev" delay="0">
-                  <p:tgtEl>
-                    <p:sldTgt/>
-                  </p:tgtEl>
-                </p:cond>
-              </p:prevCondLst>
-              <p:nextCondLst>
-                <p:cond evt="onNext" delay="0">
-                  <p:tgtEl>
-                    <p:sldTgt/>
-                  </p:tgtEl>
-                </p:cond>
-              </p:nextCondLst>
-            </p:seq>
-          </p:childTnLst>
-        </p:cTn>
-      </p:par>
-    </p:tnLst>
-  </p:timing>
-</p:sld>
-</file>
-
-<file path=ppt/slides/slide9.xml><?xml version="1.0" encoding="utf-8"?>
-<p:sld xmlns:a="http://schemas.openxmlformats.org/drawingml/2006/main" xmlns:r="http://schemas.openxmlformats.org/officeDocument/2006/relationships" xmlns:p="http://schemas.openxmlformats.org/presentationml/2006/main">
-  <p:cSld>
-    <p:spTree>
-      <p:nvGrpSpPr>
-        <p:cNvPr id="1" name="">
-          <a:extLst>
-            <a:ext uri="{FF2B5EF4-FFF2-40B4-BE49-F238E27FC236}">
-              <a16:creationId xmlns:a16="http://schemas.microsoft.com/office/drawing/2014/main" id="{9881363F-E9C5-D8AB-1E42-D824F4CEC4DA}"/>
-            </a:ext>
-          </a:extLst>
-        </p:cNvPr>
-        <p:cNvGrpSpPr/>
-        <p:nvPr/>
-      </p:nvGrpSpPr>
-      <p:grpSpPr>
-        <a:xfrm>
-          <a:off x="0" y="0"/>
-          <a:ext cx="0" cy="0"/>
-          <a:chOff x="0" y="0"/>
-          <a:chExt cx="0" cy="0"/>
-        </a:xfrm>
-      </p:grpSpPr>
-      <p:sp>
-        <p:nvSpPr>
-          <p:cNvPr id="4" name="Title 3">
-            <a:extLst>
-              <a:ext uri="{FF2B5EF4-FFF2-40B4-BE49-F238E27FC236}">
-                <a16:creationId xmlns:a16="http://schemas.microsoft.com/office/drawing/2014/main" id="{FB04ED70-36B0-F7C7-DE44-BF43C9B42C03}"/>
-              </a:ext>
-            </a:extLst>
-          </p:cNvPr>
-          <p:cNvSpPr>
-            <a:spLocks noGrp="1"/>
-          </p:cNvSpPr>
-          <p:nvPr>
-            <p:ph type="title"/>
-          </p:nvPr>
-        </p:nvSpPr>
-        <p:spPr/>
-        <p:txBody>
-          <a:bodyPr>
-            <a:normAutofit/>
-          </a:bodyPr>
-          <a:lstStyle/>
-          <a:p>
-            <a:r>
-              <a:rPr lang="en-US" dirty="0"/>
-              <a:t>2. Define the FACT Table</a:t>
-            </a:r>
-          </a:p>
-        </p:txBody>
-      </p:sp>
-      <p:sp>
-        <p:nvSpPr>
-          <p:cNvPr id="5" name="Content Placeholder 4">
-            <a:extLst>
-              <a:ext uri="{FF2B5EF4-FFF2-40B4-BE49-F238E27FC236}">
-                <a16:creationId xmlns:a16="http://schemas.microsoft.com/office/drawing/2014/main" id="{9DD15A2E-7163-B882-E54C-58C2958ACD9B}"/>
-              </a:ext>
-            </a:extLst>
-          </p:cNvPr>
-          <p:cNvSpPr>
-            <a:spLocks noGrp="1"/>
-          </p:cNvSpPr>
-          <p:nvPr>
-            <p:ph idx="1"/>
-          </p:nvPr>
-        </p:nvSpPr>
-        <p:spPr>
-          <a:xfrm>
-            <a:off x="628650" y="1026695"/>
-            <a:ext cx="7886700" cy="3606028"/>
-          </a:xfrm>
-        </p:spPr>
-        <p:txBody>
-          <a:bodyPr>
-            <a:noAutofit/>
-          </a:bodyPr>
-          <a:lstStyle/>
-          <a:p>
-            <a:r>
-              <a:rPr lang="en-US" sz="2800" dirty="0"/>
-              <a:t>Select Dimensions and Facts: </a:t>
-            </a:r>
-          </a:p>
-          <a:p>
-            <a:r>
-              <a:rPr lang="en-US" sz="2800" dirty="0"/>
-              <a:t>Identify dimensions (</a:t>
-            </a:r>
-            <a:r>
-              <a:rPr lang="en-US" sz="2800" dirty="0">
-                <a:highlight>
-                  <a:srgbClr val="00FFFF"/>
-                </a:highlight>
-              </a:rPr>
-              <a:t>descriptive attributes</a:t>
-            </a:r>
-            <a:r>
-              <a:rPr lang="en-US" sz="2800" dirty="0"/>
-              <a:t>) and </a:t>
-            </a:r>
-          </a:p>
-          <a:p>
-            <a:r>
-              <a:rPr lang="en-US" sz="2800" dirty="0"/>
-              <a:t>Facts (</a:t>
-            </a:r>
-            <a:r>
-              <a:rPr lang="en-US" sz="2800" dirty="0">
-                <a:highlight>
-                  <a:srgbClr val="00FFFF"/>
-                </a:highlight>
-              </a:rPr>
-              <a:t>measurable metrics</a:t>
-            </a:r>
-            <a:r>
-              <a:rPr lang="en-US" sz="2800" dirty="0"/>
-              <a:t>) that are essential for reporting and analysis. </a:t>
-            </a:r>
-          </a:p>
-        </p:txBody>
-      </p:sp>
-    </p:spTree>
-    <p:extLst>
-      <p:ext uri="{BB962C8B-B14F-4D97-AF65-F5344CB8AC3E}">
-        <p14:creationId xmlns:p14="http://schemas.microsoft.com/office/powerpoint/2010/main" val="3996700478"/>
-      </p:ext>
-    </p:extLst>
-  </p:cSld>
-  <p:clrMapOvr>
-    <a:masterClrMapping/>
-  </p:clrMapOvr>
-  <p:timing>
-    <p:tnLst>
-      <p:par>
-        <p:cTn id="1" dur="indefinite" restart="never" nodeType="tmRoot">
-          <p:childTnLst>
-            <p:seq concurrent="1" nextAc="seek">
-              <p:cTn id="2" dur="indefinite" nodeType="mainSeq">
-                <p:childTnLst>
-                  <p:par>
-                    <p:cTn id="3" fill="hold">
-                      <p:stCondLst>
-                        <p:cond delay="indefinite"/>
-                      </p:stCondLst>
-                      <p:childTnLst>
-                        <p:par>
-                          <p:cTn id="4" fill="hold">
-                            <p:stCondLst>
-                              <p:cond delay="0"/>
-                            </p:stCondLst>
-                            <p:childTnLst>
-                              <p:par>
-                                <p:cTn id="5" presetID="1" presetClass="entr" presetSubtype="0" fill="hold" nodeType="clickEffect">
-                                  <p:stCondLst>
-                                    <p:cond delay="0"/>
-                                  </p:stCondLst>
-                                  <p:childTnLst>
-                                    <p:set>
-                                      <p:cBhvr>
-                                        <p:cTn id="6" dur="1" fill="hold">
-                                          <p:stCondLst>
-                                            <p:cond delay="0"/>
-                                          </p:stCondLst>
-                                        </p:cTn>
-                                        <p:tgtEl>
-                                          <p:spTgt spid="5">
-                                            <p:txEl>
-                                              <p:pRg st="0" end="0"/>
-                                            </p:txEl>
-                                          </p:spTgt>
-                                        </p:tgtEl>
-                                        <p:attrNameLst>
-                                          <p:attrName>style.visibility</p:attrName>
-                                        </p:attrNameLst>
-                                      </p:cBhvr>
-                                      <p:to>
-                                        <p:strVal val="visible"/>
-                                      </p:to>
-                                    </p:set>
-                                  </p:childTnLst>
-                                </p:cTn>
-                              </p:par>
-                            </p:childTnLst>
-                          </p:cTn>
-                        </p:par>
-                      </p:childTnLst>
-                    </p:cTn>
-                  </p:par>
-                  <p:par>
-                    <p:cTn id="7" fill="hold">
-                      <p:stCondLst>
-                        <p:cond delay="indefinite"/>
-                      </p:stCondLst>
-                      <p:childTnLst>
-                        <p:par>
-                          <p:cTn id="8" fill="hold">
-                            <p:stCondLst>
-                              <p:cond delay="0"/>
-                            </p:stCondLst>
-                            <p:childTnLst>
-                              <p:par>
-                                <p:cTn id="9" presetID="1" presetClass="entr" presetSubtype="0" fill="hold" nodeType="clickEffect">
-                                  <p:stCondLst>
-                                    <p:cond delay="0"/>
-                                  </p:stCondLst>
-                                  <p:childTnLst>
-                                    <p:set>
-                                      <p:cBhvr>
-                                        <p:cTn id="10" dur="1" fill="hold">
-                                          <p:stCondLst>
-                                            <p:cond delay="0"/>
-                                          </p:stCondLst>
-                                        </p:cTn>
-                                        <p:tgtEl>
-                                          <p:spTgt spid="5">
-                                            <p:txEl>
-                                              <p:pRg st="1" end="1"/>
-                                            </p:txEl>
-                                          </p:spTgt>
-                                        </p:tgtEl>
-                                        <p:attrNameLst>
-                                          <p:attrName>style.visibility</p:attrName>
-                                        </p:attrNameLst>
-                                      </p:cBhvr>
-                                      <p:to>
-                                        <p:strVal val="visible"/>
-                                      </p:to>
-                                    </p:set>
-                                  </p:childTnLst>
-                                </p:cTn>
-                              </p:par>
-                            </p:childTnLst>
-                          </p:cTn>
-                        </p:par>
-                      </p:childTnLst>
-                    </p:cTn>
-                  </p:par>
-                  <p:par>
-                    <p:cTn id="11" fill="hold">
-                      <p:stCondLst>
-                        <p:cond delay="indefinite"/>
-                      </p:stCondLst>
-                      <p:childTnLst>
-                        <p:par>
-                          <p:cTn id="12" fill="hold">
-                            <p:stCondLst>
-                              <p:cond delay="0"/>
-                            </p:stCondLst>
-                            <p:childTnLst>
-                              <p:par>
-                                <p:cTn id="13" presetID="1" presetClass="entr" presetSubtype="0" fill="hold" nodeType="clickEffect">
-                                  <p:stCondLst>
-                                    <p:cond delay="0"/>
-                                  </p:stCondLst>
-                                  <p:childTnLst>
-                                    <p:set>
-                                      <p:cBhvr>
-                                        <p:cTn id="14" dur="1" fill="hold">
-                                          <p:stCondLst>
-                                            <p:cond delay="0"/>
-                                          </p:stCondLst>
-                                        </p:cTn>
-                                        <p:tgtEl>
-                                          <p:spTgt spid="5">
-                                            <p:txEl>
-                                              <p:pRg st="2" end="2"/>
-                                            </p:txEl>
-                                          </p:spTgt>
-                                        </p:tgtEl>
-                                        <p:attrNameLst>
-                                          <p:attrName>style.visibility</p:attrName>
-                                        </p:attrNameLst>
-                                      </p:cBhvr>
-                                      <p:to>
-                                        <p:strVal val="visible"/>
-                                      </p:to>
-                                    </p:set>
-                                  </p:childTnLst>
-                                </p:cTn>
-                              </p:par>
-                            </p:childTnLst>
-                          </p:cTn>
-                        </p:par>
-                      </p:childTnLst>
-                    </p:cTn>
-                  </p:par>
-                </p:childTnLst>
-              </p:cTn>
-              <p:prevCondLst>
-                <p:cond evt="onPrev" delay="0">
-                  <p:tgtEl>
-                    <p:sldTgt/>
-                  </p:tgtEl>
-                </p:cond>
-              </p:prevCondLst>
-              <p:nextCondLst>
-                <p:cond evt="onNext" delay="0">
-                  <p:tgtEl>
-                    <p:sldTgt/>
-                  </p:tgtEl>
-                </p:cond>
-              </p:nextCondLst>
-            </p:seq>
-          </p:childTnLst>
-        </p:cTn>
-      </p:par>
-    </p:tnLst>
-  </p:timing>
-</p:sld>
-</file>
-
 <file path=ppt/theme/theme1.xml><?xml version="1.0" encoding="utf-8"?>
 <a:theme xmlns:a="http://schemas.openxmlformats.org/drawingml/2006/main" name="Office Theme">
   <a:themeElements>
